--- a/宣道詩/(宣道詩266) 再過主日.pptx
+++ b/宣道詩/(宣道詩266) 再過主日.pptx
@@ -5,15 +5,25 @@
     <p:sldMasterId id="2147483660" r:id="rId1"/>
   </p:sldMasterIdLst>
   <p:notesMasterIdLst>
-    <p:notesMasterId r:id="rId5"/>
+    <p:notesMasterId r:id="rId15"/>
   </p:notesMasterIdLst>
   <p:handoutMasterIdLst>
-    <p:handoutMasterId r:id="rId6"/>
+    <p:handoutMasterId r:id="rId16"/>
   </p:handoutMasterIdLst>
   <p:sldIdLst>
-    <p:sldId id="1601" r:id="rId2"/>
-    <p:sldId id="1602" r:id="rId3"/>
-    <p:sldId id="1603" r:id="rId4"/>
+    <p:sldId id="1604" r:id="rId2"/>
+    <p:sldId id="1605" r:id="rId3"/>
+    <p:sldId id="1606" r:id="rId4"/>
+    <p:sldId id="1607" r:id="rId5"/>
+    <p:sldId id="1608" r:id="rId6"/>
+    <p:sldId id="1609" r:id="rId7"/>
+    <p:sldId id="1610" r:id="rId8"/>
+    <p:sldId id="1611" r:id="rId9"/>
+    <p:sldId id="1612" r:id="rId10"/>
+    <p:sldId id="1613" r:id="rId11"/>
+    <p:sldId id="1614" r:id="rId12"/>
+    <p:sldId id="1615" r:id="rId13"/>
+    <p:sldId id="1616" r:id="rId14"/>
   </p:sldIdLst>
   <p:sldSz cx="12192000" cy="6858000"/>
   <p:notesSz cx="6858000" cy="9144000"/>
@@ -3719,7 +3729,7 @@
       </p:grpSpPr>
       <p:sp>
         <p:nvSpPr>
-          <p:cNvPr id="4" name="Title 3"/>
+          <p:cNvPr id="4" name="標題 3"/>
           <p:cNvSpPr>
             <a:spLocks noGrp="1"/>
           </p:cNvSpPr>
@@ -3727,381 +3737,276 @@
             <p:ph type="title"/>
           </p:nvPr>
         </p:nvSpPr>
-        <p:spPr/>
+        <p:spPr>
+          <a:xfrm>
+            <a:off x="0" y="2660915"/>
+            <a:ext cx="12192000" cy="1143000"/>
+          </a:xfrm>
+        </p:spPr>
         <p:txBody>
           <a:bodyPr>
+            <a:noAutofit/>
+          </a:bodyPr>
+          <a:lstStyle/>
+          <a:p>
+            <a:r>
+              <a:rPr lang="zh-CN" altLang="en-US" sz="5333" b="1" u="sng" dirty="0">
+                <a:solidFill>
+                  <a:srgbClr val="660033"/>
+                </a:solidFill>
+                <a:effectLst>
+                  <a:outerShdw blurRad="38100" dist="38100" dir="2700000" algn="tl">
+                    <a:srgbClr val="000000">
+                      <a:alpha val="43137"/>
+                    </a:srgbClr>
+                  </a:outerShdw>
+                </a:effectLst>
+                <a:latin typeface="微軟正黑體" pitchFamily="34" charset="-120"/>
+                <a:ea typeface="微軟正黑體" pitchFamily="34" charset="-120"/>
+              </a:rPr>
+              <a:t>宣道詩 </a:t>
+            </a:r>
+            <a:r>
+              <a:rPr lang="en-US" altLang="zh-CN" sz="5333" b="1" u="sng" dirty="0" smtClean="0">
+                <a:solidFill>
+                  <a:srgbClr val="660033"/>
+                </a:solidFill>
+                <a:effectLst>
+                  <a:outerShdw blurRad="38100" dist="38100" dir="2700000" algn="tl">
+                    <a:srgbClr val="000000">
+                      <a:alpha val="43137"/>
+                    </a:srgbClr>
+                  </a:outerShdw>
+                </a:effectLst>
+                <a:latin typeface="微軟正黑體" pitchFamily="34" charset="-120"/>
+                <a:ea typeface="微軟正黑體" pitchFamily="34" charset="-120"/>
+              </a:rPr>
+              <a:t>266</a:t>
+            </a:r>
+            <a:r>
+              <a:rPr lang="en-US" altLang="zh-CN" sz="7200" b="1" i="1" dirty="0">
+                <a:solidFill>
+                  <a:srgbClr val="660033"/>
+                </a:solidFill>
+                <a:effectLst>
+                  <a:outerShdw blurRad="38100" dist="38100" dir="2700000" algn="tl">
+                    <a:srgbClr val="000000">
+                      <a:alpha val="43137"/>
+                    </a:srgbClr>
+                  </a:outerShdw>
+                </a:effectLst>
+                <a:latin typeface="微軟正黑體" pitchFamily="34" charset="-120"/>
+                <a:ea typeface="微軟正黑體" pitchFamily="34" charset="-120"/>
+              </a:rPr>
+              <a:t/>
+            </a:r>
+            <a:br>
+              <a:rPr lang="en-US" altLang="zh-CN" sz="7200" b="1" i="1" dirty="0">
+                <a:solidFill>
+                  <a:srgbClr val="660033"/>
+                </a:solidFill>
+                <a:effectLst>
+                  <a:outerShdw blurRad="38100" dist="38100" dir="2700000" algn="tl">
+                    <a:srgbClr val="000000">
+                      <a:alpha val="43137"/>
+                    </a:srgbClr>
+                  </a:outerShdw>
+                </a:effectLst>
+                <a:latin typeface="微軟正黑體" pitchFamily="34" charset="-120"/>
+                <a:ea typeface="微軟正黑體" pitchFamily="34" charset="-120"/>
+              </a:rPr>
+            </a:br>
+            <a:r>
+              <a:rPr lang="zh-CN" altLang="en-US" sz="8000" b="1" dirty="0" smtClean="0">
+                <a:solidFill>
+                  <a:srgbClr val="000066"/>
+                </a:solidFill>
+                <a:effectLst>
+                  <a:outerShdw blurRad="38100" dist="38100" dir="2700000" algn="tl">
+                    <a:srgbClr val="000000">
+                      <a:alpha val="43137"/>
+                    </a:srgbClr>
+                  </a:outerShdw>
+                </a:effectLst>
+                <a:latin typeface="微軟正黑體" pitchFamily="34" charset="-120"/>
+                <a:ea typeface="微軟正黑體" pitchFamily="34" charset="-120"/>
+              </a:rPr>
+              <a:t>再</a:t>
+            </a:r>
+            <a:r>
+              <a:rPr lang="zh-CN" altLang="en-US" sz="8000" b="1" dirty="0">
+                <a:solidFill>
+                  <a:srgbClr val="000066"/>
+                </a:solidFill>
+                <a:effectLst>
+                  <a:outerShdw blurRad="38100" dist="38100" dir="2700000" algn="tl">
+                    <a:srgbClr val="000000">
+                      <a:alpha val="43137"/>
+                    </a:srgbClr>
+                  </a:outerShdw>
+                </a:effectLst>
+                <a:latin typeface="微軟正黑體" pitchFamily="34" charset="-120"/>
+                <a:ea typeface="微軟正黑體" pitchFamily="34" charset="-120"/>
+              </a:rPr>
+              <a:t>過主日</a:t>
+            </a:r>
+            <a:endParaRPr lang="zh-TW" altLang="en-US" sz="8000" b="1" dirty="0">
+              <a:solidFill>
+                <a:srgbClr val="000066"/>
+              </a:solidFill>
+              <a:effectLst>
+                <a:outerShdw blurRad="38100" dist="38100" dir="2700000" algn="tl">
+                  <a:srgbClr val="000000">
+                    <a:alpha val="43137"/>
+                  </a:srgbClr>
+                </a:outerShdw>
+              </a:effectLst>
+              <a:latin typeface="微軟正黑體" pitchFamily="34" charset="-120"/>
+              <a:ea typeface="微軟正黑體" pitchFamily="34" charset="-120"/>
+            </a:endParaRPr>
+          </a:p>
+        </p:txBody>
+      </p:sp>
+    </p:spTree>
+    <p:extLst>
+      <p:ext uri="{BB962C8B-B14F-4D97-AF65-F5344CB8AC3E}">
+        <p14:creationId xmlns:p14="http://schemas.microsoft.com/office/powerpoint/2010/main" val="2110966289"/>
+      </p:ext>
+    </p:extLst>
+  </p:cSld>
+  <p:clrMapOvr>
+    <a:masterClrMapping/>
+  </p:clrMapOvr>
+  <p:timing>
+    <p:tnLst>
+      <p:par>
+        <p:cTn id="1" dur="indefinite" restart="never" nodeType="tmRoot"/>
+      </p:par>
+    </p:tnLst>
+  </p:timing>
+</p:sld>
+</file>
+
+<file path=ppt/slides/slide10.xml><?xml version="1.0" encoding="utf-8"?>
+<p:sld xmlns:a="http://schemas.openxmlformats.org/drawingml/2006/main" xmlns:r="http://schemas.openxmlformats.org/officeDocument/2006/relationships" xmlns:p="http://schemas.openxmlformats.org/presentationml/2006/main">
+  <p:cSld>
+    <p:spTree>
+      <p:nvGrpSpPr>
+        <p:cNvPr id="1" name=""/>
+        <p:cNvGrpSpPr/>
+        <p:nvPr/>
+      </p:nvGrpSpPr>
+      <p:grpSpPr>
+        <a:xfrm>
+          <a:off x="0" y="0"/>
+          <a:ext cx="0" cy="0"/>
+          <a:chOff x="0" y="0"/>
+          <a:chExt cx="0" cy="0"/>
+        </a:xfrm>
+      </p:grpSpPr>
+      <p:sp>
+        <p:nvSpPr>
+          <p:cNvPr id="5" name="內容版面配置區 4"/>
+          <p:cNvSpPr>
+            <a:spLocks noGrp="1"/>
+          </p:cNvSpPr>
+          <p:nvPr>
+            <p:ph idx="1"/>
+          </p:nvPr>
+        </p:nvSpPr>
+        <p:spPr>
+          <a:xfrm>
+            <a:off x="0" y="2084851"/>
+            <a:ext cx="12192000" cy="2404863"/>
+          </a:xfrm>
+        </p:spPr>
+        <p:txBody>
+          <a:bodyPr anchor="ctr">
             <a:normAutofit/>
           </a:bodyPr>
           <a:lstStyle/>
           <a:p>
-            <a:r>
-              <a:rPr lang="en-US" altLang="zh-CN" sz="4800" b="1" dirty="0">
-                <a:solidFill>
-                  <a:srgbClr val="002060"/>
-                </a:solidFill>
-                <a:latin typeface="Microsoft JhengHei" panose="020B0604030504040204" pitchFamily="34" charset="-120"/>
-                <a:ea typeface="Microsoft JhengHei" panose="020B0604030504040204" pitchFamily="34" charset="-120"/>
-              </a:rPr>
-              <a:t>【</a:t>
-            </a:r>
-            <a:r>
-              <a:rPr lang="zh-CN" altLang="en-US" sz="4800" b="1" dirty="0">
-                <a:solidFill>
-                  <a:srgbClr val="002060"/>
-                </a:solidFill>
-                <a:latin typeface="Microsoft JhengHei" panose="020B0604030504040204" pitchFamily="34" charset="-120"/>
-                <a:ea typeface="Microsoft JhengHei" panose="020B0604030504040204" pitchFamily="34" charset="-120"/>
-              </a:rPr>
-              <a:t>再過主日</a:t>
-            </a:r>
-            <a:r>
-              <a:rPr lang="en-US" altLang="zh-CN" sz="4800" b="1" dirty="0">
-                <a:solidFill>
-                  <a:srgbClr val="002060"/>
-                </a:solidFill>
-                <a:latin typeface="Microsoft JhengHei" panose="020B0604030504040204" pitchFamily="34" charset="-120"/>
-                <a:ea typeface="Microsoft JhengHei" panose="020B0604030504040204" pitchFamily="34" charset="-120"/>
-              </a:rPr>
-              <a:t>】</a:t>
-            </a:r>
-          </a:p>
-        </p:txBody>
-      </p:sp>
-      <p:sp>
-        <p:nvSpPr>
-          <p:cNvPr id="5" name="Content Placeholder 4"/>
-          <p:cNvSpPr>
-            <a:spLocks noGrp="1"/>
-          </p:cNvSpPr>
-          <p:nvPr>
-            <p:ph idx="1"/>
-          </p:nvPr>
+            <a:pPr marL="0" indent="0" algn="ctr">
+              <a:buNone/>
+            </a:pPr>
+            <a:r>
+              <a:rPr lang="zh-CN" altLang="zh-TW" sz="6400" b="1" dirty="0">
+                <a:solidFill>
+                  <a:srgbClr val="000066"/>
+                </a:solidFill>
+                <a:latin typeface="Microsoft JhengHei" pitchFamily="34" charset="-120"/>
+                <a:ea typeface="Microsoft JhengHei" pitchFamily="34" charset="-120"/>
+              </a:rPr>
+              <a:t>聖日應當清早起</a:t>
+            </a:r>
+          </a:p>
+          <a:p>
+            <a:pPr marL="0" indent="0" algn="ctr">
+              <a:buNone/>
+            </a:pPr>
+            <a:r>
+              <a:rPr lang="zh-CN" altLang="zh-TW" sz="6400" b="1" dirty="0">
+                <a:solidFill>
+                  <a:srgbClr val="000066"/>
+                </a:solidFill>
+                <a:latin typeface="Microsoft JhengHei" pitchFamily="34" charset="-120"/>
+                <a:ea typeface="Microsoft JhengHei" pitchFamily="34" charset="-120"/>
+              </a:rPr>
+              <a:t>親近耶穌心歡喜</a:t>
+            </a:r>
+          </a:p>
+        </p:txBody>
+      </p:sp>
+      <p:sp>
+        <p:nvSpPr>
+          <p:cNvPr id="3" name="TextBox 2"/>
+          <p:cNvSpPr txBox="1"/>
+          <p:nvPr/>
         </p:nvSpPr>
         <p:spPr>
           <a:xfrm>
-            <a:off x="0" y="1600203"/>
-            <a:ext cx="12192000" cy="5257797"/>
-          </a:xfrm>
-        </p:spPr>
-        <p:txBody>
-          <a:bodyPr>
-            <a:normAutofit/>
-          </a:bodyPr>
-          <a:lstStyle/>
-          <a:p>
-            <a:pPr marL="0" indent="0" algn="ctr">
-              <a:buNone/>
-            </a:pPr>
-            <a:r>
-              <a:rPr lang="zh-CN" altLang="zh-TW" sz="5400" b="1" dirty="0">
-                <a:solidFill>
-                  <a:srgbClr val="002060"/>
-                </a:solidFill>
-                <a:latin typeface="Microsoft JhengHei" panose="020B0604030504040204" pitchFamily="34" charset="-120"/>
-                <a:ea typeface="Microsoft JhengHei" panose="020B0604030504040204" pitchFamily="34" charset="-120"/>
-              </a:rPr>
-              <a:t>平安又到主聖</a:t>
-            </a:r>
-            <a:r>
-              <a:rPr lang="zh-CN" altLang="zh-TW" sz="5400" b="1" dirty="0">
-                <a:solidFill>
-                  <a:srgbClr val="002060"/>
-                </a:solidFill>
-                <a:latin typeface="Microsoft JhengHei" panose="020B0604030504040204" pitchFamily="34" charset="-120"/>
-                <a:ea typeface="Microsoft JhengHei" panose="020B0604030504040204" pitchFamily="34" charset="-120"/>
-              </a:rPr>
-              <a:t>日</a:t>
-            </a:r>
-            <a:r>
-              <a:rPr lang="en-US" altLang="zh-CN" sz="5400" b="1" dirty="0">
-                <a:solidFill>
-                  <a:srgbClr val="002060"/>
-                </a:solidFill>
-                <a:latin typeface="Microsoft JhengHei" panose="020B0604030504040204" pitchFamily="34" charset="-120"/>
-                <a:ea typeface="Microsoft JhengHei" panose="020B0604030504040204" pitchFamily="34" charset="-120"/>
-              </a:rPr>
-              <a:t>  </a:t>
-            </a:r>
-            <a:endParaRPr lang="en-US" altLang="zh-CN" sz="5400" b="1" dirty="0" smtClean="0">
-              <a:solidFill>
-                <a:srgbClr val="002060"/>
-              </a:solidFill>
-              <a:latin typeface="Microsoft JhengHei" panose="020B0604030504040204" pitchFamily="34" charset="-120"/>
-              <a:ea typeface="Microsoft JhengHei" panose="020B0604030504040204" pitchFamily="34" charset="-120"/>
-            </a:endParaRPr>
-          </a:p>
-          <a:p>
-            <a:pPr marL="0" indent="0" algn="ctr">
-              <a:buNone/>
-            </a:pPr>
-            <a:r>
-              <a:rPr lang="zh-CN" altLang="zh-TW" sz="5400" b="1" dirty="0" smtClean="0">
-                <a:solidFill>
-                  <a:srgbClr val="002060"/>
-                </a:solidFill>
-                <a:latin typeface="Microsoft JhengHei" panose="020B0604030504040204" pitchFamily="34" charset="-120"/>
-                <a:ea typeface="Microsoft JhengHei" panose="020B0604030504040204" pitchFamily="34" charset="-120"/>
-              </a:rPr>
-              <a:t>感</a:t>
-            </a:r>
-            <a:r>
-              <a:rPr lang="zh-CN" altLang="zh-TW" sz="5400" b="1" dirty="0">
-                <a:solidFill>
-                  <a:srgbClr val="002060"/>
-                </a:solidFill>
-                <a:latin typeface="Microsoft JhengHei" panose="020B0604030504040204" pitchFamily="34" charset="-120"/>
-                <a:ea typeface="Microsoft JhengHei" panose="020B0604030504040204" pitchFamily="34" charset="-120"/>
-              </a:rPr>
-              <a:t>謝天父大愛惜</a:t>
-            </a:r>
-          </a:p>
-          <a:p>
-            <a:pPr marL="0" indent="0" algn="ctr">
-              <a:buNone/>
-            </a:pPr>
-            <a:r>
-              <a:rPr lang="zh-CN" altLang="zh-TW" sz="5400" b="1" dirty="0">
-                <a:solidFill>
-                  <a:srgbClr val="002060"/>
-                </a:solidFill>
-                <a:latin typeface="Microsoft JhengHei" panose="020B0604030504040204" pitchFamily="34" charset="-120"/>
-                <a:ea typeface="Microsoft JhengHei" panose="020B0604030504040204" pitchFamily="34" charset="-120"/>
-              </a:rPr>
-              <a:t>今求天父發慈</a:t>
-            </a:r>
-            <a:r>
-              <a:rPr lang="zh-CN" altLang="zh-TW" sz="5400" b="1" dirty="0">
-                <a:solidFill>
-                  <a:srgbClr val="002060"/>
-                </a:solidFill>
-                <a:latin typeface="Microsoft JhengHei" panose="020B0604030504040204" pitchFamily="34" charset="-120"/>
-                <a:ea typeface="Microsoft JhengHei" panose="020B0604030504040204" pitchFamily="34" charset="-120"/>
-              </a:rPr>
-              <a:t>心</a:t>
-            </a:r>
-            <a:r>
-              <a:rPr lang="en-US" altLang="zh-CN" sz="5400" b="1" dirty="0">
-                <a:solidFill>
-                  <a:srgbClr val="002060"/>
-                </a:solidFill>
-                <a:latin typeface="Microsoft JhengHei" panose="020B0604030504040204" pitchFamily="34" charset="-120"/>
-                <a:ea typeface="Microsoft JhengHei" panose="020B0604030504040204" pitchFamily="34" charset="-120"/>
-              </a:rPr>
-              <a:t>  </a:t>
-            </a:r>
-            <a:r>
-              <a:rPr lang="zh-CN" altLang="zh-TW" sz="5400" b="1" dirty="0">
-                <a:solidFill>
-                  <a:srgbClr val="002060"/>
-                </a:solidFill>
-                <a:latin typeface="Microsoft JhengHei" panose="020B0604030504040204" pitchFamily="34" charset="-120"/>
-                <a:ea typeface="Microsoft JhengHei" panose="020B0604030504040204" pitchFamily="34" charset="-120"/>
-              </a:rPr>
-              <a:t>這</a:t>
-            </a:r>
-            <a:r>
-              <a:rPr lang="zh-CN" altLang="zh-TW" sz="5400" b="1" dirty="0">
-                <a:solidFill>
-                  <a:srgbClr val="002060"/>
-                </a:solidFill>
-                <a:latin typeface="Microsoft JhengHei" panose="020B0604030504040204" pitchFamily="34" charset="-120"/>
-                <a:ea typeface="Microsoft JhengHei" panose="020B0604030504040204" pitchFamily="34" charset="-120"/>
-              </a:rPr>
-              <a:t>日賜福萬國</a:t>
-            </a:r>
-            <a:r>
-              <a:rPr lang="zh-CN" altLang="zh-TW" sz="5400" b="1" dirty="0">
-                <a:solidFill>
-                  <a:srgbClr val="002060"/>
-                </a:solidFill>
-                <a:latin typeface="Microsoft JhengHei" panose="020B0604030504040204" pitchFamily="34" charset="-120"/>
-                <a:ea typeface="Microsoft JhengHei" panose="020B0604030504040204" pitchFamily="34" charset="-120"/>
-              </a:rPr>
-              <a:t>人</a:t>
-            </a:r>
-            <a:endParaRPr lang="en-US" altLang="zh-CN" sz="5400" b="1" dirty="0">
-              <a:solidFill>
-                <a:srgbClr val="002060"/>
-              </a:solidFill>
-              <a:latin typeface="Microsoft JhengHei" panose="020B0604030504040204" pitchFamily="34" charset="-120"/>
-              <a:ea typeface="Microsoft JhengHei" panose="020B0604030504040204" pitchFamily="34" charset="-120"/>
-            </a:endParaRPr>
-          </a:p>
-          <a:p>
-            <a:pPr marL="0" indent="0" algn="ctr">
-              <a:buNone/>
-            </a:pPr>
-            <a:r>
-              <a:rPr lang="zh-CN" altLang="zh-TW" sz="5400" b="1" dirty="0">
-                <a:solidFill>
-                  <a:srgbClr val="002060"/>
-                </a:solidFill>
-                <a:latin typeface="Microsoft JhengHei" panose="020B0604030504040204" pitchFamily="34" charset="-120"/>
-                <a:ea typeface="Microsoft JhengHei" panose="020B0604030504040204" pitchFamily="34" charset="-120"/>
-              </a:rPr>
-              <a:t>今日紀念主復</a:t>
-            </a:r>
-            <a:r>
-              <a:rPr lang="zh-CN" altLang="zh-TW" sz="5400" b="1" dirty="0">
-                <a:solidFill>
-                  <a:srgbClr val="002060"/>
-                </a:solidFill>
-                <a:latin typeface="Microsoft JhengHei" panose="020B0604030504040204" pitchFamily="34" charset="-120"/>
-                <a:ea typeface="Microsoft JhengHei" panose="020B0604030504040204" pitchFamily="34" charset="-120"/>
-              </a:rPr>
-              <a:t>活</a:t>
-            </a:r>
-            <a:r>
-              <a:rPr lang="en-US" altLang="zh-CN" sz="5400" b="1" dirty="0">
-                <a:solidFill>
-                  <a:srgbClr val="002060"/>
-                </a:solidFill>
-                <a:latin typeface="Microsoft JhengHei" panose="020B0604030504040204" pitchFamily="34" charset="-120"/>
-                <a:ea typeface="Microsoft JhengHei" panose="020B0604030504040204" pitchFamily="34" charset="-120"/>
-              </a:rPr>
-              <a:t>  </a:t>
-            </a:r>
-            <a:r>
-              <a:rPr lang="zh-CN" altLang="zh-TW" sz="5400" b="1" dirty="0">
-                <a:solidFill>
-                  <a:srgbClr val="002060"/>
-                </a:solidFill>
-                <a:latin typeface="Microsoft JhengHei" panose="020B0604030504040204" pitchFamily="34" charset="-120"/>
-                <a:ea typeface="Microsoft JhengHei" panose="020B0604030504040204" pitchFamily="34" charset="-120"/>
-              </a:rPr>
-              <a:t>福</a:t>
-            </a:r>
-            <a:r>
-              <a:rPr lang="zh-CN" altLang="zh-TW" sz="5400" b="1" dirty="0">
-                <a:solidFill>
-                  <a:srgbClr val="002060"/>
-                </a:solidFill>
-                <a:latin typeface="Microsoft JhengHei" panose="020B0604030504040204" pitchFamily="34" charset="-120"/>
-                <a:ea typeface="Microsoft JhengHei" panose="020B0604030504040204" pitchFamily="34" charset="-120"/>
-              </a:rPr>
-              <a:t>音真理傳廣闊</a:t>
-            </a:r>
-          </a:p>
-          <a:p>
-            <a:pPr marL="0" indent="0" algn="ctr">
-              <a:buNone/>
-            </a:pPr>
-            <a:r>
-              <a:rPr lang="zh-CN" altLang="zh-TW" sz="5400" b="1" dirty="0">
-                <a:solidFill>
-                  <a:srgbClr val="002060"/>
-                </a:solidFill>
-                <a:latin typeface="Microsoft JhengHei" panose="020B0604030504040204" pitchFamily="34" charset="-120"/>
-                <a:ea typeface="Microsoft JhengHei" panose="020B0604030504040204" pitchFamily="34" charset="-120"/>
-              </a:rPr>
-              <a:t>欣逢禮拜樂難</a:t>
-            </a:r>
-            <a:r>
-              <a:rPr lang="zh-CN" altLang="zh-TW" sz="5400" b="1" dirty="0">
-                <a:solidFill>
-                  <a:srgbClr val="002060"/>
-                </a:solidFill>
-                <a:latin typeface="Microsoft JhengHei" panose="020B0604030504040204" pitchFamily="34" charset="-120"/>
-                <a:ea typeface="Microsoft JhengHei" panose="020B0604030504040204" pitchFamily="34" charset="-120"/>
-              </a:rPr>
-              <a:t>說</a:t>
-            </a:r>
-            <a:r>
-              <a:rPr lang="en-US" altLang="zh-CN" sz="5400" b="1" dirty="0">
-                <a:solidFill>
-                  <a:srgbClr val="002060"/>
-                </a:solidFill>
-                <a:latin typeface="Microsoft JhengHei" panose="020B0604030504040204" pitchFamily="34" charset="-120"/>
-                <a:ea typeface="Microsoft JhengHei" panose="020B0604030504040204" pitchFamily="34" charset="-120"/>
-              </a:rPr>
-              <a:t>  </a:t>
-            </a:r>
-            <a:r>
-              <a:rPr lang="zh-CN" altLang="zh-TW" sz="5400" b="1" dirty="0">
-                <a:solidFill>
-                  <a:srgbClr val="002060"/>
-                </a:solidFill>
-                <a:latin typeface="Microsoft JhengHei" panose="020B0604030504040204" pitchFamily="34" charset="-120"/>
-                <a:ea typeface="Microsoft JhengHei" panose="020B0604030504040204" pitchFamily="34" charset="-120"/>
-              </a:rPr>
-              <a:t>身</a:t>
-            </a:r>
-            <a:r>
-              <a:rPr lang="zh-CN" altLang="zh-TW" sz="5400" b="1" dirty="0">
-                <a:solidFill>
-                  <a:srgbClr val="002060"/>
-                </a:solidFill>
-                <a:latin typeface="Microsoft JhengHei" panose="020B0604030504040204" pitchFamily="34" charset="-120"/>
-                <a:ea typeface="Microsoft JhengHei" panose="020B0604030504040204" pitchFamily="34" charset="-120"/>
-              </a:rPr>
-              <a:t>心安息滿快</a:t>
-            </a:r>
-            <a:r>
-              <a:rPr lang="zh-CN" altLang="zh-TW" sz="5400" b="1" dirty="0">
-                <a:solidFill>
-                  <a:srgbClr val="002060"/>
-                </a:solidFill>
-                <a:latin typeface="Microsoft JhengHei" panose="020B0604030504040204" pitchFamily="34" charset="-120"/>
-                <a:ea typeface="Microsoft JhengHei" panose="020B0604030504040204" pitchFamily="34" charset="-120"/>
-              </a:rPr>
-              <a:t>樂</a:t>
-            </a:r>
-            <a:endParaRPr lang="zh-CN" altLang="zh-TW" sz="5400" b="1" dirty="0">
-              <a:solidFill>
-                <a:srgbClr val="002060"/>
-              </a:solidFill>
-              <a:latin typeface="Microsoft JhengHei" panose="020B0604030504040204" pitchFamily="34" charset="-120"/>
-              <a:ea typeface="Microsoft JhengHei" panose="020B0604030504040204" pitchFamily="34" charset="-120"/>
-            </a:endParaRPr>
-          </a:p>
-        </p:txBody>
-      </p:sp>
-      <p:sp>
-        <p:nvSpPr>
-          <p:cNvPr id="6" name="Text Box 1"/>
-          <p:cNvSpPr txBox="1"/>
-          <p:nvPr/>
-        </p:nvSpPr>
-        <p:spPr>
-          <a:xfrm>
-            <a:off x="1343472" y="1700808"/>
-            <a:ext cx="911424" cy="923330"/>
+            <a:off x="0" y="5061182"/>
+            <a:ext cx="12192000" cy="830997"/>
           </a:xfrm>
           <a:prstGeom prst="rect">
             <a:avLst/>
           </a:prstGeom>
           <a:noFill/>
-          <a:ln w="9525">
-            <a:noFill/>
-            <a:miter lim="800000"/>
-          </a:ln>
         </p:spPr>
         <p:txBody>
-          <a:bodyPr wrap="square">
+          <a:bodyPr wrap="square" rtlCol="0">
             <a:spAutoFit/>
           </a:bodyPr>
           <a:lstStyle/>
           <a:p>
             <a:pPr algn="ctr"/>
             <a:r>
-              <a:rPr lang="en-US" sz="5400" b="1" dirty="0">
-                <a:solidFill>
-                  <a:srgbClr val="002060"/>
-                </a:solidFill>
-              </a:rPr>
-              <a:t>1</a:t>
-            </a:r>
-            <a:r>
-              <a:rPr lang="en-US" sz="5400" b="1" dirty="0" smtClean="0">
-                <a:solidFill>
-                  <a:srgbClr val="002060"/>
-                </a:solidFill>
-              </a:rPr>
-              <a:t>.</a:t>
-            </a:r>
-            <a:endParaRPr lang="en-US" sz="5400" b="1" dirty="0">
+              <a:rPr lang="en-US" sz="4800" b="1" dirty="0">
+                <a:solidFill>
+                  <a:srgbClr val="000066"/>
+                </a:solidFill>
+              </a:rPr>
+              <a:t>( </a:t>
+            </a:r>
+            <a:r>
+              <a:rPr lang="en-US" sz="4800" b="1" dirty="0" smtClean="0">
+                <a:solidFill>
+                  <a:srgbClr val="000066"/>
+                </a:solidFill>
+              </a:rPr>
+              <a:t>3 </a:t>
+            </a:r>
+            <a:r>
+              <a:rPr lang="en-US" sz="4800" b="1" dirty="0">
+                <a:solidFill>
+                  <a:srgbClr val="000066"/>
+                </a:solidFill>
+              </a:rPr>
+              <a:t>)</a:t>
+            </a:r>
+            <a:endParaRPr lang="vi-VN" sz="4800" b="1" dirty="0">
               <a:solidFill>
-                <a:srgbClr val="002060"/>
+                <a:srgbClr val="000066"/>
               </a:solidFill>
             </a:endParaRPr>
           </a:p>
@@ -4110,7 +4015,530 @@
     </p:spTree>
     <p:extLst>
       <p:ext uri="{BB962C8B-B14F-4D97-AF65-F5344CB8AC3E}">
-        <p14:creationId xmlns:p14="http://schemas.microsoft.com/office/powerpoint/2010/main" val="3722771388"/>
+        <p14:creationId xmlns:p14="http://schemas.microsoft.com/office/powerpoint/2010/main" val="2822498598"/>
+      </p:ext>
+    </p:extLst>
+  </p:cSld>
+  <p:clrMapOvr>
+    <a:masterClrMapping/>
+  </p:clrMapOvr>
+  <p:timing>
+    <p:tnLst>
+      <p:par>
+        <p:cTn id="1" dur="indefinite" restart="never" nodeType="tmRoot"/>
+      </p:par>
+    </p:tnLst>
+  </p:timing>
+</p:sld>
+</file>
+
+<file path=ppt/slides/slide11.xml><?xml version="1.0" encoding="utf-8"?>
+<p:sld xmlns:a="http://schemas.openxmlformats.org/drawingml/2006/main" xmlns:r="http://schemas.openxmlformats.org/officeDocument/2006/relationships" xmlns:p="http://schemas.openxmlformats.org/presentationml/2006/main">
+  <p:cSld>
+    <p:spTree>
+      <p:nvGrpSpPr>
+        <p:cNvPr id="1" name=""/>
+        <p:cNvGrpSpPr/>
+        <p:nvPr/>
+      </p:nvGrpSpPr>
+      <p:grpSpPr>
+        <a:xfrm>
+          <a:off x="0" y="0"/>
+          <a:ext cx="0" cy="0"/>
+          <a:chOff x="0" y="0"/>
+          <a:chExt cx="0" cy="0"/>
+        </a:xfrm>
+      </p:grpSpPr>
+      <p:sp>
+        <p:nvSpPr>
+          <p:cNvPr id="5" name="內容版面配置區 4"/>
+          <p:cNvSpPr>
+            <a:spLocks noGrp="1"/>
+          </p:cNvSpPr>
+          <p:nvPr>
+            <p:ph idx="1"/>
+          </p:nvPr>
+        </p:nvSpPr>
+        <p:spPr>
+          <a:xfrm>
+            <a:off x="0" y="2084851"/>
+            <a:ext cx="12192000" cy="2404863"/>
+          </a:xfrm>
+        </p:spPr>
+        <p:txBody>
+          <a:bodyPr anchor="ctr">
+            <a:normAutofit/>
+          </a:bodyPr>
+          <a:lstStyle/>
+          <a:p>
+            <a:pPr marL="0" indent="0" algn="ctr">
+              <a:buNone/>
+            </a:pPr>
+            <a:r>
+              <a:rPr lang="zh-CN" altLang="zh-TW" sz="6400" b="1" dirty="0">
+                <a:solidFill>
+                  <a:srgbClr val="000066"/>
+                </a:solidFill>
+                <a:latin typeface="Microsoft JhengHei" pitchFamily="34" charset="-120"/>
+                <a:ea typeface="Microsoft JhengHei" pitchFamily="34" charset="-120"/>
+              </a:rPr>
+              <a:t>聚集禮拜當專</a:t>
+            </a:r>
+            <a:r>
+              <a:rPr lang="zh-CN" altLang="zh-TW" sz="6400" b="1" dirty="0">
+                <a:solidFill>
+                  <a:srgbClr val="000066"/>
+                </a:solidFill>
+                <a:latin typeface="Microsoft JhengHei" pitchFamily="34" charset="-120"/>
+                <a:ea typeface="Microsoft JhengHei" pitchFamily="34" charset="-120"/>
+              </a:rPr>
+              <a:t>心</a:t>
+            </a:r>
+            <a:endParaRPr lang="en-US" altLang="zh-CN" sz="6400" b="1" dirty="0">
+              <a:solidFill>
+                <a:srgbClr val="000066"/>
+              </a:solidFill>
+              <a:latin typeface="Microsoft JhengHei" pitchFamily="34" charset="-120"/>
+              <a:ea typeface="Microsoft JhengHei" pitchFamily="34" charset="-120"/>
+            </a:endParaRPr>
+          </a:p>
+          <a:p>
+            <a:pPr marL="0" indent="0" algn="ctr">
+              <a:buNone/>
+            </a:pPr>
+            <a:r>
+              <a:rPr lang="zh-CN" altLang="zh-TW" sz="6400" b="1" dirty="0">
+                <a:solidFill>
+                  <a:srgbClr val="000066"/>
+                </a:solidFill>
+                <a:latin typeface="Microsoft JhengHei" pitchFamily="34" charset="-120"/>
+                <a:ea typeface="Microsoft JhengHei" pitchFamily="34" charset="-120"/>
+              </a:rPr>
+              <a:t>同</a:t>
+            </a:r>
+            <a:r>
+              <a:rPr lang="zh-CN" altLang="zh-TW" sz="6400" b="1" dirty="0">
+                <a:solidFill>
+                  <a:srgbClr val="000066"/>
+                </a:solidFill>
+                <a:latin typeface="Microsoft JhengHei" pitchFamily="34" charset="-120"/>
+                <a:ea typeface="Microsoft JhengHei" pitchFamily="34" charset="-120"/>
+              </a:rPr>
+              <a:t>求聖靈大降臨</a:t>
+            </a:r>
+            <a:endParaRPr lang="en-US" altLang="zh-CN" sz="6400" b="1" dirty="0">
+              <a:solidFill>
+                <a:srgbClr val="000066"/>
+              </a:solidFill>
+              <a:latin typeface="Microsoft JhengHei" pitchFamily="34" charset="-120"/>
+              <a:ea typeface="Microsoft JhengHei" pitchFamily="34" charset="-120"/>
+            </a:endParaRPr>
+          </a:p>
+        </p:txBody>
+      </p:sp>
+      <p:sp>
+        <p:nvSpPr>
+          <p:cNvPr id="3" name="TextBox 2"/>
+          <p:cNvSpPr txBox="1"/>
+          <p:nvPr/>
+        </p:nvSpPr>
+        <p:spPr>
+          <a:xfrm>
+            <a:off x="0" y="5061182"/>
+            <a:ext cx="12192000" cy="830997"/>
+          </a:xfrm>
+          <a:prstGeom prst="rect">
+            <a:avLst/>
+          </a:prstGeom>
+          <a:noFill/>
+        </p:spPr>
+        <p:txBody>
+          <a:bodyPr wrap="square" rtlCol="0">
+            <a:spAutoFit/>
+          </a:bodyPr>
+          <a:lstStyle/>
+          <a:p>
+            <a:pPr algn="ctr"/>
+            <a:r>
+              <a:rPr lang="en-US" sz="4800" b="1" dirty="0">
+                <a:solidFill>
+                  <a:srgbClr val="000066"/>
+                </a:solidFill>
+              </a:rPr>
+              <a:t>( </a:t>
+            </a:r>
+            <a:r>
+              <a:rPr lang="en-US" sz="4800" b="1" dirty="0" smtClean="0">
+                <a:solidFill>
+                  <a:srgbClr val="000066"/>
+                </a:solidFill>
+              </a:rPr>
+              <a:t>3 </a:t>
+            </a:r>
+            <a:r>
+              <a:rPr lang="en-US" sz="4800" b="1" dirty="0">
+                <a:solidFill>
+                  <a:srgbClr val="000066"/>
+                </a:solidFill>
+              </a:rPr>
+              <a:t>)</a:t>
+            </a:r>
+            <a:endParaRPr lang="vi-VN" sz="4800" b="1" dirty="0">
+              <a:solidFill>
+                <a:srgbClr val="000066"/>
+              </a:solidFill>
+            </a:endParaRPr>
+          </a:p>
+        </p:txBody>
+      </p:sp>
+    </p:spTree>
+    <p:extLst>
+      <p:ext uri="{BB962C8B-B14F-4D97-AF65-F5344CB8AC3E}">
+        <p14:creationId xmlns:p14="http://schemas.microsoft.com/office/powerpoint/2010/main" val="2849810328"/>
+      </p:ext>
+    </p:extLst>
+  </p:cSld>
+  <p:clrMapOvr>
+    <a:masterClrMapping/>
+  </p:clrMapOvr>
+  <p:timing>
+    <p:tnLst>
+      <p:par>
+        <p:cTn id="1" dur="indefinite" restart="never" nodeType="tmRoot"/>
+      </p:par>
+    </p:tnLst>
+  </p:timing>
+</p:sld>
+</file>
+
+<file path=ppt/slides/slide12.xml><?xml version="1.0" encoding="utf-8"?>
+<p:sld xmlns:a="http://schemas.openxmlformats.org/drawingml/2006/main" xmlns:r="http://schemas.openxmlformats.org/officeDocument/2006/relationships" xmlns:p="http://schemas.openxmlformats.org/presentationml/2006/main">
+  <p:cSld>
+    <p:spTree>
+      <p:nvGrpSpPr>
+        <p:cNvPr id="1" name=""/>
+        <p:cNvGrpSpPr/>
+        <p:nvPr/>
+      </p:nvGrpSpPr>
+      <p:grpSpPr>
+        <a:xfrm>
+          <a:off x="0" y="0"/>
+          <a:ext cx="0" cy="0"/>
+          <a:chOff x="0" y="0"/>
+          <a:chExt cx="0" cy="0"/>
+        </a:xfrm>
+      </p:grpSpPr>
+      <p:sp>
+        <p:nvSpPr>
+          <p:cNvPr id="5" name="內容版面配置區 4"/>
+          <p:cNvSpPr>
+            <a:spLocks noGrp="1"/>
+          </p:cNvSpPr>
+          <p:nvPr>
+            <p:ph idx="1"/>
+          </p:nvPr>
+        </p:nvSpPr>
+        <p:spPr>
+          <a:xfrm>
+            <a:off x="0" y="2084851"/>
+            <a:ext cx="12192000" cy="2404863"/>
+          </a:xfrm>
+        </p:spPr>
+        <p:txBody>
+          <a:bodyPr anchor="ctr">
+            <a:normAutofit/>
+          </a:bodyPr>
+          <a:lstStyle/>
+          <a:p>
+            <a:pPr marL="0" indent="0" algn="ctr">
+              <a:buNone/>
+            </a:pPr>
+            <a:r>
+              <a:rPr lang="zh-CN" altLang="zh-TW" sz="6400" b="1" dirty="0">
+                <a:solidFill>
+                  <a:srgbClr val="000066"/>
+                </a:solidFill>
+                <a:latin typeface="Microsoft JhengHei" pitchFamily="34" charset="-120"/>
+                <a:ea typeface="Microsoft JhengHei" pitchFamily="34" charset="-120"/>
+              </a:rPr>
+              <a:t>生前樂意守主</a:t>
+            </a:r>
+            <a:r>
+              <a:rPr lang="zh-CN" altLang="zh-TW" sz="6400" b="1" dirty="0">
+                <a:solidFill>
+                  <a:srgbClr val="000066"/>
+                </a:solidFill>
+                <a:latin typeface="Microsoft JhengHei" pitchFamily="34" charset="-120"/>
+                <a:ea typeface="Microsoft JhengHei" pitchFamily="34" charset="-120"/>
+              </a:rPr>
+              <a:t>日</a:t>
+            </a:r>
+            <a:endParaRPr lang="en-US" altLang="zh-CN" sz="6400" b="1" dirty="0">
+              <a:solidFill>
+                <a:srgbClr val="000066"/>
+              </a:solidFill>
+              <a:latin typeface="Microsoft JhengHei" pitchFamily="34" charset="-120"/>
+              <a:ea typeface="Microsoft JhengHei" pitchFamily="34" charset="-120"/>
+            </a:endParaRPr>
+          </a:p>
+          <a:p>
+            <a:pPr marL="0" indent="0" algn="ctr">
+              <a:buNone/>
+            </a:pPr>
+            <a:r>
+              <a:rPr lang="zh-CN" altLang="zh-TW" sz="6400" b="1" dirty="0">
+                <a:solidFill>
+                  <a:srgbClr val="000066"/>
+                </a:solidFill>
+                <a:latin typeface="Microsoft JhengHei" pitchFamily="34" charset="-120"/>
+                <a:ea typeface="Microsoft JhengHei" pitchFamily="34" charset="-120"/>
+              </a:rPr>
+              <a:t>死</a:t>
+            </a:r>
+            <a:r>
+              <a:rPr lang="zh-CN" altLang="zh-TW" sz="6400" b="1" dirty="0">
+                <a:solidFill>
+                  <a:srgbClr val="000066"/>
+                </a:solidFill>
+                <a:latin typeface="Microsoft JhengHei" pitchFamily="34" charset="-120"/>
+                <a:ea typeface="Microsoft JhengHei" pitchFamily="34" charset="-120"/>
+              </a:rPr>
+              <a:t>後在天樂無極</a:t>
+            </a:r>
+          </a:p>
+        </p:txBody>
+      </p:sp>
+      <p:sp>
+        <p:nvSpPr>
+          <p:cNvPr id="3" name="TextBox 2"/>
+          <p:cNvSpPr txBox="1"/>
+          <p:nvPr/>
+        </p:nvSpPr>
+        <p:spPr>
+          <a:xfrm>
+            <a:off x="0" y="5061182"/>
+            <a:ext cx="12192000" cy="830997"/>
+          </a:xfrm>
+          <a:prstGeom prst="rect">
+            <a:avLst/>
+          </a:prstGeom>
+          <a:noFill/>
+        </p:spPr>
+        <p:txBody>
+          <a:bodyPr wrap="square" rtlCol="0">
+            <a:spAutoFit/>
+          </a:bodyPr>
+          <a:lstStyle/>
+          <a:p>
+            <a:pPr algn="ctr"/>
+            <a:r>
+              <a:rPr lang="en-US" sz="4800" b="1" dirty="0">
+                <a:solidFill>
+                  <a:srgbClr val="000066"/>
+                </a:solidFill>
+              </a:rPr>
+              <a:t>( </a:t>
+            </a:r>
+            <a:r>
+              <a:rPr lang="en-US" sz="4800" b="1" dirty="0" smtClean="0">
+                <a:solidFill>
+                  <a:srgbClr val="000066"/>
+                </a:solidFill>
+              </a:rPr>
+              <a:t>3 </a:t>
+            </a:r>
+            <a:r>
+              <a:rPr lang="en-US" sz="4800" b="1" dirty="0">
+                <a:solidFill>
+                  <a:srgbClr val="000066"/>
+                </a:solidFill>
+              </a:rPr>
+              <a:t>)</a:t>
+            </a:r>
+            <a:endParaRPr lang="vi-VN" sz="4800" b="1" dirty="0">
+              <a:solidFill>
+                <a:srgbClr val="000066"/>
+              </a:solidFill>
+            </a:endParaRPr>
+          </a:p>
+        </p:txBody>
+      </p:sp>
+    </p:spTree>
+    <p:extLst>
+      <p:ext uri="{BB962C8B-B14F-4D97-AF65-F5344CB8AC3E}">
+        <p14:creationId xmlns:p14="http://schemas.microsoft.com/office/powerpoint/2010/main" val="4252389806"/>
+      </p:ext>
+    </p:extLst>
+  </p:cSld>
+  <p:clrMapOvr>
+    <a:masterClrMapping/>
+  </p:clrMapOvr>
+  <p:timing>
+    <p:tnLst>
+      <p:par>
+        <p:cTn id="1" dur="indefinite" restart="never" nodeType="tmRoot"/>
+      </p:par>
+    </p:tnLst>
+  </p:timing>
+</p:sld>
+</file>
+
+<file path=ppt/slides/slide13.xml><?xml version="1.0" encoding="utf-8"?>
+<p:sld xmlns:a="http://schemas.openxmlformats.org/drawingml/2006/main" xmlns:r="http://schemas.openxmlformats.org/officeDocument/2006/relationships" xmlns:p="http://schemas.openxmlformats.org/presentationml/2006/main">
+  <p:cSld>
+    <p:spTree>
+      <p:nvGrpSpPr>
+        <p:cNvPr id="1" name=""/>
+        <p:cNvGrpSpPr/>
+        <p:nvPr/>
+      </p:nvGrpSpPr>
+      <p:grpSpPr>
+        <a:xfrm>
+          <a:off x="0" y="0"/>
+          <a:ext cx="0" cy="0"/>
+          <a:chOff x="0" y="0"/>
+          <a:chExt cx="0" cy="0"/>
+        </a:xfrm>
+      </p:grpSpPr>
+      <p:sp>
+        <p:nvSpPr>
+          <p:cNvPr id="5" name="內容版面配置區 4"/>
+          <p:cNvSpPr>
+            <a:spLocks noGrp="1"/>
+          </p:cNvSpPr>
+          <p:nvPr>
+            <p:ph idx="1"/>
+          </p:nvPr>
+        </p:nvSpPr>
+        <p:spPr>
+          <a:xfrm>
+            <a:off x="0" y="2084851"/>
+            <a:ext cx="12192000" cy="2404863"/>
+          </a:xfrm>
+        </p:spPr>
+        <p:txBody>
+          <a:bodyPr anchor="ctr">
+            <a:normAutofit/>
+          </a:bodyPr>
+          <a:lstStyle/>
+          <a:p>
+            <a:pPr marL="0" indent="0" algn="ctr">
+              <a:buNone/>
+            </a:pPr>
+            <a:r>
+              <a:rPr lang="zh-CN" altLang="zh-TW" sz="6400" b="1" dirty="0">
+                <a:solidFill>
+                  <a:srgbClr val="000066"/>
+                </a:solidFill>
+                <a:latin typeface="Microsoft JhengHei" pitchFamily="34" charset="-120"/>
+                <a:ea typeface="Microsoft JhengHei" pitchFamily="34" charset="-120"/>
+              </a:rPr>
+              <a:t>靠主心安無掛</a:t>
+            </a:r>
+            <a:r>
+              <a:rPr lang="zh-CN" altLang="zh-TW" sz="6400" b="1" dirty="0">
+                <a:solidFill>
+                  <a:srgbClr val="000066"/>
+                </a:solidFill>
+                <a:latin typeface="Microsoft JhengHei" pitchFamily="34" charset="-120"/>
+                <a:ea typeface="Microsoft JhengHei" pitchFamily="34" charset="-120"/>
+              </a:rPr>
+              <a:t>慮</a:t>
+            </a:r>
+            <a:endParaRPr lang="en-US" altLang="zh-CN" sz="6400" b="1" dirty="0">
+              <a:solidFill>
+                <a:srgbClr val="000066"/>
+              </a:solidFill>
+              <a:latin typeface="Microsoft JhengHei" pitchFamily="34" charset="-120"/>
+              <a:ea typeface="Microsoft JhengHei" pitchFamily="34" charset="-120"/>
+            </a:endParaRPr>
+          </a:p>
+          <a:p>
+            <a:pPr marL="0" indent="0" algn="ctr">
+              <a:buNone/>
+            </a:pPr>
+            <a:r>
+              <a:rPr lang="zh-CN" altLang="zh-TW" sz="6400" b="1" dirty="0">
+                <a:solidFill>
+                  <a:srgbClr val="000066"/>
+                </a:solidFill>
+                <a:latin typeface="Microsoft JhengHei" pitchFamily="34" charset="-120"/>
+                <a:ea typeface="Microsoft JhengHei" pitchFamily="34" charset="-120"/>
+              </a:rPr>
+              <a:t>能</a:t>
+            </a:r>
+            <a:r>
+              <a:rPr lang="zh-CN" altLang="zh-TW" sz="6400" b="1" dirty="0">
+                <a:solidFill>
+                  <a:srgbClr val="000066"/>
+                </a:solidFill>
+                <a:latin typeface="Microsoft JhengHei" pitchFamily="34" charset="-120"/>
+                <a:ea typeface="Microsoft JhengHei" pitchFamily="34" charset="-120"/>
+              </a:rPr>
+              <a:t>到明宮有憑據</a:t>
+            </a:r>
+          </a:p>
+        </p:txBody>
+      </p:sp>
+      <p:sp>
+        <p:nvSpPr>
+          <p:cNvPr id="3" name="TextBox 2"/>
+          <p:cNvSpPr txBox="1"/>
+          <p:nvPr/>
+        </p:nvSpPr>
+        <p:spPr>
+          <a:xfrm>
+            <a:off x="0" y="5061182"/>
+            <a:ext cx="12192000" cy="830997"/>
+          </a:xfrm>
+          <a:prstGeom prst="rect">
+            <a:avLst/>
+          </a:prstGeom>
+          <a:noFill/>
+        </p:spPr>
+        <p:txBody>
+          <a:bodyPr wrap="square" rtlCol="0">
+            <a:spAutoFit/>
+          </a:bodyPr>
+          <a:lstStyle/>
+          <a:p>
+            <a:pPr algn="ctr"/>
+            <a:r>
+              <a:rPr lang="en-US" sz="4800" b="1" dirty="0">
+                <a:solidFill>
+                  <a:srgbClr val="000066"/>
+                </a:solidFill>
+              </a:rPr>
+              <a:t>( </a:t>
+            </a:r>
+            <a:r>
+              <a:rPr lang="en-US" sz="4800" b="1" dirty="0" smtClean="0">
+                <a:solidFill>
+                  <a:srgbClr val="000066"/>
+                </a:solidFill>
+              </a:rPr>
+              <a:t>3 </a:t>
+            </a:r>
+            <a:r>
+              <a:rPr lang="en-US" sz="4800" b="1" dirty="0">
+                <a:solidFill>
+                  <a:srgbClr val="000066"/>
+                </a:solidFill>
+              </a:rPr>
+              <a:t>)</a:t>
+            </a:r>
+            <a:endParaRPr lang="vi-VN" sz="4800" b="1" dirty="0">
+              <a:solidFill>
+                <a:srgbClr val="000066"/>
+              </a:solidFill>
+            </a:endParaRPr>
+          </a:p>
+        </p:txBody>
+      </p:sp>
+    </p:spTree>
+    <p:extLst>
+      <p:ext uri="{BB962C8B-B14F-4D97-AF65-F5344CB8AC3E}">
+        <p14:creationId xmlns:p14="http://schemas.microsoft.com/office/powerpoint/2010/main" val="1654964033"/>
       </p:ext>
     </p:extLst>
   </p:cSld>
@@ -4146,399 +4574,111 @@
       </p:grpSpPr>
       <p:sp>
         <p:nvSpPr>
-          <p:cNvPr id="4" name="Title 3"/>
-          <p:cNvSpPr>
-            <a:spLocks noGrp="1"/>
-          </p:cNvSpPr>
-          <p:nvPr>
-            <p:ph type="title"/>
-          </p:nvPr>
-        </p:nvSpPr>
-        <p:spPr/>
-        <p:txBody>
-          <a:bodyPr>
+          <p:cNvPr id="5" name="內容版面配置區 4"/>
+          <p:cNvSpPr>
+            <a:spLocks noGrp="1"/>
+          </p:cNvSpPr>
+          <p:nvPr>
+            <p:ph idx="1"/>
+          </p:nvPr>
+        </p:nvSpPr>
+        <p:spPr>
+          <a:xfrm>
+            <a:off x="0" y="2084851"/>
+            <a:ext cx="12192000" cy="2404863"/>
+          </a:xfrm>
+        </p:spPr>
+        <p:txBody>
+          <a:bodyPr anchor="ctr">
             <a:normAutofit/>
           </a:bodyPr>
           <a:lstStyle/>
           <a:p>
-            <a:r>
-              <a:rPr lang="en-US" altLang="zh-CN" sz="4800" b="1" dirty="0">
-                <a:solidFill>
-                  <a:srgbClr val="002060"/>
-                </a:solidFill>
-                <a:latin typeface="Microsoft JhengHei" panose="020B0604030504040204" pitchFamily="34" charset="-120"/>
-                <a:ea typeface="Microsoft JhengHei" panose="020B0604030504040204" pitchFamily="34" charset="-120"/>
-              </a:rPr>
-              <a:t>【</a:t>
-            </a:r>
-            <a:r>
-              <a:rPr lang="zh-CN" altLang="en-US" sz="4800" b="1" dirty="0">
-                <a:solidFill>
-                  <a:srgbClr val="002060"/>
-                </a:solidFill>
-                <a:latin typeface="Microsoft JhengHei" panose="020B0604030504040204" pitchFamily="34" charset="-120"/>
-                <a:ea typeface="Microsoft JhengHei" panose="020B0604030504040204" pitchFamily="34" charset="-120"/>
-              </a:rPr>
-              <a:t>再過主日</a:t>
-            </a:r>
-            <a:r>
-              <a:rPr lang="en-US" altLang="zh-CN" sz="4800" b="1" dirty="0">
-                <a:solidFill>
-                  <a:srgbClr val="002060"/>
-                </a:solidFill>
-                <a:latin typeface="Microsoft JhengHei" panose="020B0604030504040204" pitchFamily="34" charset="-120"/>
-                <a:ea typeface="Microsoft JhengHei" panose="020B0604030504040204" pitchFamily="34" charset="-120"/>
-              </a:rPr>
-              <a:t>】</a:t>
-            </a:r>
-          </a:p>
-        </p:txBody>
-      </p:sp>
-      <p:sp>
-        <p:nvSpPr>
-          <p:cNvPr id="5" name="Content Placeholder 4"/>
-          <p:cNvSpPr>
-            <a:spLocks noGrp="1"/>
-          </p:cNvSpPr>
-          <p:nvPr>
-            <p:ph idx="1"/>
-          </p:nvPr>
+            <a:pPr marL="0" indent="0" algn="ctr">
+              <a:buNone/>
+            </a:pPr>
+            <a:r>
+              <a:rPr lang="zh-CN" altLang="zh-TW" sz="6400" b="1" dirty="0" smtClean="0">
+                <a:solidFill>
+                  <a:srgbClr val="000066"/>
+                </a:solidFill>
+                <a:latin typeface="Microsoft JhengHei" pitchFamily="34" charset="-120"/>
+                <a:ea typeface="Microsoft JhengHei" pitchFamily="34" charset="-120"/>
+              </a:rPr>
+              <a:t>平</a:t>
+            </a:r>
+            <a:r>
+              <a:rPr lang="zh-CN" altLang="zh-TW" sz="6400" b="1" dirty="0">
+                <a:solidFill>
+                  <a:srgbClr val="000066"/>
+                </a:solidFill>
+                <a:latin typeface="Microsoft JhengHei" pitchFamily="34" charset="-120"/>
+                <a:ea typeface="Microsoft JhengHei" pitchFamily="34" charset="-120"/>
+              </a:rPr>
+              <a:t>安又到主聖日</a:t>
+            </a:r>
+            <a:r>
+              <a:rPr lang="en-US" altLang="zh-CN" sz="6400" b="1" dirty="0">
+                <a:solidFill>
+                  <a:srgbClr val="000066"/>
+                </a:solidFill>
+                <a:latin typeface="Microsoft JhengHei" pitchFamily="34" charset="-120"/>
+                <a:ea typeface="Microsoft JhengHei" pitchFamily="34" charset="-120"/>
+              </a:rPr>
+              <a:t>  </a:t>
+            </a:r>
+          </a:p>
+          <a:p>
+            <a:pPr marL="0" indent="0" algn="ctr">
+              <a:buNone/>
+            </a:pPr>
+            <a:r>
+              <a:rPr lang="zh-CN" altLang="zh-TW" sz="6400" b="1" dirty="0">
+                <a:solidFill>
+                  <a:srgbClr val="000066"/>
+                </a:solidFill>
+                <a:latin typeface="Microsoft JhengHei" pitchFamily="34" charset="-120"/>
+                <a:ea typeface="Microsoft JhengHei" pitchFamily="34" charset="-120"/>
+              </a:rPr>
+              <a:t>感謝天父大愛惜</a:t>
+            </a:r>
+          </a:p>
+        </p:txBody>
+      </p:sp>
+      <p:sp>
+        <p:nvSpPr>
+          <p:cNvPr id="3" name="TextBox 2"/>
+          <p:cNvSpPr txBox="1"/>
+          <p:nvPr/>
         </p:nvSpPr>
         <p:spPr>
           <a:xfrm>
-            <a:off x="0" y="1600203"/>
-            <a:ext cx="12192000" cy="5257797"/>
-          </a:xfrm>
-        </p:spPr>
-        <p:txBody>
-          <a:bodyPr>
-            <a:normAutofit/>
-          </a:bodyPr>
-          <a:lstStyle/>
-          <a:p>
-            <a:pPr marL="0" indent="0" algn="ctr">
-              <a:buNone/>
-            </a:pPr>
-            <a:r>
-              <a:rPr lang="zh-CN" altLang="zh-TW" sz="5400" b="1" dirty="0">
-                <a:solidFill>
-                  <a:srgbClr val="002060"/>
-                </a:solidFill>
-                <a:latin typeface="Microsoft JhengHei" panose="020B0604030504040204" pitchFamily="34" charset="-120"/>
-                <a:ea typeface="Microsoft JhengHei" panose="020B0604030504040204" pitchFamily="34" charset="-120"/>
-              </a:rPr>
-              <a:t>生命惟靠主保</a:t>
-            </a:r>
-            <a:r>
-              <a:rPr lang="zh-CN" altLang="zh-TW" sz="5400" b="1" dirty="0" smtClean="0">
-                <a:solidFill>
-                  <a:srgbClr val="002060"/>
-                </a:solidFill>
-                <a:latin typeface="Microsoft JhengHei" panose="020B0604030504040204" pitchFamily="34" charset="-120"/>
-                <a:ea typeface="Microsoft JhengHei" panose="020B0604030504040204" pitchFamily="34" charset="-120"/>
-              </a:rPr>
-              <a:t>護</a:t>
-            </a:r>
-            <a:endParaRPr lang="en-US" altLang="zh-CN" sz="5400" b="1" dirty="0" smtClean="0">
-              <a:solidFill>
-                <a:srgbClr val="002060"/>
-              </a:solidFill>
-              <a:latin typeface="Microsoft JhengHei" panose="020B0604030504040204" pitchFamily="34" charset="-120"/>
-              <a:ea typeface="Microsoft JhengHei" panose="020B0604030504040204" pitchFamily="34" charset="-120"/>
-            </a:endParaRPr>
-          </a:p>
-          <a:p>
-            <a:pPr marL="0" indent="0" algn="ctr">
-              <a:buNone/>
-            </a:pPr>
-            <a:r>
-              <a:rPr lang="zh-CN" altLang="zh-TW" sz="5400" b="1" dirty="0" smtClean="0">
-                <a:solidFill>
-                  <a:srgbClr val="002060"/>
-                </a:solidFill>
-                <a:latin typeface="Microsoft JhengHei" panose="020B0604030504040204" pitchFamily="34" charset="-120"/>
-                <a:ea typeface="Microsoft JhengHei" panose="020B0604030504040204" pitchFamily="34" charset="-120"/>
-              </a:rPr>
-              <a:t>衣</a:t>
-            </a:r>
-            <a:r>
-              <a:rPr lang="zh-CN" altLang="zh-TW" sz="5400" b="1" dirty="0">
-                <a:solidFill>
-                  <a:srgbClr val="002060"/>
-                </a:solidFill>
-                <a:latin typeface="Microsoft JhengHei" panose="020B0604030504040204" pitchFamily="34" charset="-120"/>
-                <a:ea typeface="Microsoft JhengHei" panose="020B0604030504040204" pitchFamily="34" charset="-120"/>
-              </a:rPr>
-              <a:t>食豐足主照顧</a:t>
-            </a:r>
-          </a:p>
-          <a:p>
-            <a:pPr marL="0" indent="0" algn="ctr">
-              <a:buNone/>
-            </a:pPr>
-            <a:r>
-              <a:rPr lang="zh-CN" altLang="zh-TW" sz="5400" b="1" dirty="0">
-                <a:solidFill>
-                  <a:srgbClr val="002060"/>
-                </a:solidFill>
-                <a:latin typeface="Microsoft JhengHei" panose="020B0604030504040204" pitchFamily="34" charset="-120"/>
-                <a:ea typeface="Microsoft JhengHei" panose="020B0604030504040204" pitchFamily="34" charset="-120"/>
-              </a:rPr>
-              <a:t>罪人蒙恩日日</a:t>
-            </a:r>
-            <a:r>
-              <a:rPr lang="zh-CN" altLang="zh-TW" sz="5400" b="1" dirty="0">
-                <a:solidFill>
-                  <a:srgbClr val="002060"/>
-                </a:solidFill>
-                <a:latin typeface="Microsoft JhengHei" panose="020B0604030504040204" pitchFamily="34" charset="-120"/>
-                <a:ea typeface="Microsoft JhengHei" panose="020B0604030504040204" pitchFamily="34" charset="-120"/>
-              </a:rPr>
-              <a:t>新</a:t>
-            </a:r>
-            <a:r>
-              <a:rPr lang="en-US" altLang="zh-CN" sz="5400" b="1" dirty="0">
-                <a:solidFill>
-                  <a:srgbClr val="002060"/>
-                </a:solidFill>
-                <a:latin typeface="Microsoft JhengHei" panose="020B0604030504040204" pitchFamily="34" charset="-120"/>
-                <a:ea typeface="Microsoft JhengHei" panose="020B0604030504040204" pitchFamily="34" charset="-120"/>
-              </a:rPr>
-              <a:t>  </a:t>
-            </a:r>
-            <a:r>
-              <a:rPr lang="zh-CN" altLang="zh-TW" sz="5400" b="1" dirty="0">
-                <a:solidFill>
-                  <a:srgbClr val="002060"/>
-                </a:solidFill>
-                <a:latin typeface="Microsoft JhengHei" panose="020B0604030504040204" pitchFamily="34" charset="-120"/>
-                <a:ea typeface="Microsoft JhengHei" panose="020B0604030504040204" pitchFamily="34" charset="-120"/>
-              </a:rPr>
-              <a:t>甘</a:t>
-            </a:r>
-            <a:r>
-              <a:rPr lang="zh-CN" altLang="zh-TW" sz="5400" b="1" dirty="0">
-                <a:solidFill>
-                  <a:srgbClr val="002060"/>
-                </a:solidFill>
-                <a:latin typeface="Microsoft JhengHei" panose="020B0604030504040204" pitchFamily="34" charset="-120"/>
-                <a:ea typeface="Microsoft JhengHei" panose="020B0604030504040204" pitchFamily="34" charset="-120"/>
-              </a:rPr>
-              <a:t>心樂意獻全</a:t>
-            </a:r>
-            <a:r>
-              <a:rPr lang="zh-CN" altLang="zh-TW" sz="5400" b="1" dirty="0">
-                <a:solidFill>
-                  <a:srgbClr val="002060"/>
-                </a:solidFill>
-                <a:latin typeface="Microsoft JhengHei" panose="020B0604030504040204" pitchFamily="34" charset="-120"/>
-                <a:ea typeface="Microsoft JhengHei" panose="020B0604030504040204" pitchFamily="34" charset="-120"/>
-              </a:rPr>
-              <a:t>身</a:t>
-            </a:r>
-            <a:endParaRPr lang="en-US" altLang="zh-CN" sz="5400" b="1" dirty="0">
-              <a:solidFill>
-                <a:srgbClr val="002060"/>
-              </a:solidFill>
-              <a:latin typeface="Microsoft JhengHei" panose="020B0604030504040204" pitchFamily="34" charset="-120"/>
-              <a:ea typeface="Microsoft JhengHei" panose="020B0604030504040204" pitchFamily="34" charset="-120"/>
-            </a:endParaRPr>
-          </a:p>
-          <a:p>
-            <a:pPr marL="0" indent="0" algn="ctr">
-              <a:buNone/>
-            </a:pPr>
-            <a:r>
-              <a:rPr lang="zh-CN" altLang="zh-TW" sz="5400" b="1" dirty="0">
-                <a:solidFill>
-                  <a:srgbClr val="002060"/>
-                </a:solidFill>
-                <a:latin typeface="Microsoft JhengHei" panose="020B0604030504040204" pitchFamily="34" charset="-120"/>
-                <a:ea typeface="Microsoft JhengHei" panose="020B0604030504040204" pitchFamily="34" charset="-120"/>
-              </a:rPr>
-              <a:t>六</a:t>
-            </a:r>
-            <a:r>
-              <a:rPr lang="zh-CN" altLang="en-US" sz="5400" b="1" dirty="0">
-                <a:solidFill>
-                  <a:srgbClr val="002060"/>
-                </a:solidFill>
-                <a:latin typeface="Microsoft JhengHei" panose="020B0604030504040204" pitchFamily="34" charset="-120"/>
-                <a:ea typeface="Microsoft JhengHei" panose="020B0604030504040204" pitchFamily="34" charset="-120"/>
-              </a:rPr>
-              <a:t>日</a:t>
-            </a:r>
-            <a:r>
-              <a:rPr lang="zh-CN" altLang="zh-TW" sz="5400" b="1" dirty="0">
-                <a:solidFill>
-                  <a:srgbClr val="002060"/>
-                </a:solidFill>
-                <a:latin typeface="Microsoft JhengHei" panose="020B0604030504040204" pitchFamily="34" charset="-120"/>
-                <a:ea typeface="Microsoft JhengHei" panose="020B0604030504040204" pitchFamily="34" charset="-120"/>
-              </a:rPr>
-              <a:t>勞碌為口</a:t>
-            </a:r>
-            <a:r>
-              <a:rPr lang="zh-CN" altLang="zh-TW" sz="5400" b="1" dirty="0">
-                <a:solidFill>
-                  <a:srgbClr val="002060"/>
-                </a:solidFill>
-                <a:latin typeface="Microsoft JhengHei" panose="020B0604030504040204" pitchFamily="34" charset="-120"/>
-                <a:ea typeface="Microsoft JhengHei" panose="020B0604030504040204" pitchFamily="34" charset="-120"/>
-              </a:rPr>
-              <a:t>腹</a:t>
-            </a:r>
-            <a:r>
-              <a:rPr lang="en-US" altLang="zh-CN" sz="5400" b="1" dirty="0">
-                <a:solidFill>
-                  <a:srgbClr val="002060"/>
-                </a:solidFill>
-                <a:latin typeface="Microsoft JhengHei" panose="020B0604030504040204" pitchFamily="34" charset="-120"/>
-                <a:ea typeface="Microsoft JhengHei" panose="020B0604030504040204" pitchFamily="34" charset="-120"/>
-              </a:rPr>
-              <a:t>  </a:t>
-            </a:r>
-            <a:r>
-              <a:rPr lang="zh-CN" altLang="zh-TW" sz="5400" b="1" dirty="0">
-                <a:solidFill>
-                  <a:srgbClr val="002060"/>
-                </a:solidFill>
-                <a:latin typeface="Microsoft JhengHei" panose="020B0604030504040204" pitchFamily="34" charset="-120"/>
-                <a:ea typeface="Microsoft JhengHei" panose="020B0604030504040204" pitchFamily="34" charset="-120"/>
-              </a:rPr>
-              <a:t>一</a:t>
-            </a:r>
-            <a:r>
-              <a:rPr lang="zh-CN" altLang="zh-TW" sz="5400" b="1" dirty="0">
-                <a:solidFill>
-                  <a:srgbClr val="002060"/>
-                </a:solidFill>
-                <a:latin typeface="Microsoft JhengHei" panose="020B0604030504040204" pitchFamily="34" charset="-120"/>
-                <a:ea typeface="Microsoft JhengHei" panose="020B0604030504040204" pitchFamily="34" charset="-120"/>
-              </a:rPr>
-              <a:t>日安息求天福</a:t>
-            </a:r>
-          </a:p>
-          <a:p>
-            <a:pPr marL="0" indent="0" algn="ctr">
-              <a:buNone/>
-            </a:pPr>
-            <a:r>
-              <a:rPr lang="zh-CN" altLang="zh-TW" sz="5400" b="1" dirty="0">
-                <a:solidFill>
-                  <a:srgbClr val="002060"/>
-                </a:solidFill>
-                <a:latin typeface="Microsoft JhengHei" panose="020B0604030504040204" pitchFamily="34" charset="-120"/>
-                <a:ea typeface="Microsoft JhengHei" panose="020B0604030504040204" pitchFamily="34" charset="-120"/>
-              </a:rPr>
-              <a:t>昨晚世事既完</a:t>
-            </a:r>
-            <a:r>
-              <a:rPr lang="zh-CN" altLang="zh-TW" sz="5400" b="1" dirty="0">
-                <a:solidFill>
-                  <a:srgbClr val="002060"/>
-                </a:solidFill>
-                <a:latin typeface="Microsoft JhengHei" panose="020B0604030504040204" pitchFamily="34" charset="-120"/>
-                <a:ea typeface="Microsoft JhengHei" panose="020B0604030504040204" pitchFamily="34" charset="-120"/>
-              </a:rPr>
-              <a:t>畢</a:t>
-            </a:r>
-            <a:r>
-              <a:rPr lang="en-US" altLang="zh-CN" sz="5400" b="1" dirty="0">
-                <a:solidFill>
-                  <a:srgbClr val="002060"/>
-                </a:solidFill>
-                <a:latin typeface="Microsoft JhengHei" panose="020B0604030504040204" pitchFamily="34" charset="-120"/>
-                <a:ea typeface="Microsoft JhengHei" panose="020B0604030504040204" pitchFamily="34" charset="-120"/>
-              </a:rPr>
-              <a:t>  </a:t>
-            </a:r>
-            <a:r>
-              <a:rPr lang="zh-CN" altLang="zh-TW" sz="5400" b="1" dirty="0">
-                <a:solidFill>
-                  <a:srgbClr val="002060"/>
-                </a:solidFill>
-                <a:latin typeface="Microsoft JhengHei" panose="020B0604030504040204" pitchFamily="34" charset="-120"/>
-                <a:ea typeface="Microsoft JhengHei" panose="020B0604030504040204" pitchFamily="34" charset="-120"/>
-              </a:rPr>
-              <a:t>今</a:t>
-            </a:r>
-            <a:r>
-              <a:rPr lang="zh-CN" altLang="zh-TW" sz="5400" b="1" dirty="0">
-                <a:solidFill>
-                  <a:srgbClr val="002060"/>
-                </a:solidFill>
-                <a:latin typeface="Microsoft JhengHei" panose="020B0604030504040204" pitchFamily="34" charset="-120"/>
-                <a:ea typeface="Microsoft JhengHei" panose="020B0604030504040204" pitchFamily="34" charset="-120"/>
-              </a:rPr>
-              <a:t>天樂守主聖</a:t>
-            </a:r>
-            <a:r>
-              <a:rPr lang="zh-CN" altLang="zh-TW" sz="5400" b="1" dirty="0">
-                <a:solidFill>
-                  <a:srgbClr val="002060"/>
-                </a:solidFill>
-                <a:latin typeface="Microsoft JhengHei" panose="020B0604030504040204" pitchFamily="34" charset="-120"/>
-                <a:ea typeface="Microsoft JhengHei" panose="020B0604030504040204" pitchFamily="34" charset="-120"/>
-              </a:rPr>
-              <a:t>日</a:t>
-            </a:r>
-            <a:endParaRPr lang="zh-CN" altLang="zh-TW" sz="5400" b="1" dirty="0">
-              <a:solidFill>
-                <a:srgbClr val="002060"/>
-              </a:solidFill>
-              <a:latin typeface="Microsoft JhengHei" panose="020B0604030504040204" pitchFamily="34" charset="-120"/>
-              <a:ea typeface="Microsoft JhengHei" panose="020B0604030504040204" pitchFamily="34" charset="-120"/>
-            </a:endParaRPr>
-          </a:p>
-        </p:txBody>
-      </p:sp>
-      <p:sp>
-        <p:nvSpPr>
-          <p:cNvPr id="7" name="Text Box 1"/>
-          <p:cNvSpPr txBox="1"/>
-          <p:nvPr/>
-        </p:nvSpPr>
-        <p:spPr>
-          <a:xfrm>
-            <a:off x="1343472" y="1700808"/>
-            <a:ext cx="911424" cy="923330"/>
+            <a:off x="0" y="5061182"/>
+            <a:ext cx="12192000" cy="830997"/>
           </a:xfrm>
           <a:prstGeom prst="rect">
             <a:avLst/>
           </a:prstGeom>
           <a:noFill/>
-          <a:ln w="9525">
-            <a:noFill/>
-            <a:miter lim="800000"/>
-          </a:ln>
         </p:spPr>
         <p:txBody>
-          <a:bodyPr wrap="square">
+          <a:bodyPr wrap="square" rtlCol="0">
             <a:spAutoFit/>
           </a:bodyPr>
           <a:lstStyle/>
           <a:p>
             <a:pPr algn="ctr"/>
             <a:r>
-              <a:rPr lang="en-US" sz="5400" b="1" dirty="0">
-                <a:solidFill>
-                  <a:srgbClr val="002060"/>
-                </a:solidFill>
-              </a:rPr>
-              <a:t>2</a:t>
-            </a:r>
-            <a:r>
-              <a:rPr lang="en-US" sz="5400" b="1" dirty="0" smtClean="0">
-                <a:solidFill>
-                  <a:srgbClr val="002060"/>
-                </a:solidFill>
-              </a:rPr>
-              <a:t>.</a:t>
-            </a:r>
-            <a:endParaRPr lang="en-US" sz="5400" b="1" dirty="0">
+              <a:rPr lang="en-US" sz="4800" b="1" dirty="0">
+                <a:solidFill>
+                  <a:srgbClr val="000066"/>
+                </a:solidFill>
+              </a:rPr>
+              <a:t>( 1 )</a:t>
+            </a:r>
+            <a:endParaRPr lang="vi-VN" sz="4800" b="1" dirty="0">
               <a:solidFill>
-                <a:srgbClr val="002060"/>
+                <a:srgbClr val="000066"/>
               </a:solidFill>
             </a:endParaRPr>
           </a:p>
@@ -4547,7 +4687,7 @@
     </p:spTree>
     <p:extLst>
       <p:ext uri="{BB962C8B-B14F-4D97-AF65-F5344CB8AC3E}">
-        <p14:creationId xmlns:p14="http://schemas.microsoft.com/office/powerpoint/2010/main" val="1401552077"/>
+        <p14:creationId xmlns:p14="http://schemas.microsoft.com/office/powerpoint/2010/main" val="2132389631"/>
       </p:ext>
     </p:extLst>
   </p:cSld>
@@ -4583,352 +4723,115 @@
       </p:grpSpPr>
       <p:sp>
         <p:nvSpPr>
-          <p:cNvPr id="4" name="Title 3"/>
-          <p:cNvSpPr>
-            <a:spLocks noGrp="1"/>
-          </p:cNvSpPr>
-          <p:nvPr>
-            <p:ph type="title"/>
-          </p:nvPr>
-        </p:nvSpPr>
-        <p:spPr/>
-        <p:txBody>
-          <a:bodyPr>
+          <p:cNvPr id="5" name="內容版面配置區 4"/>
+          <p:cNvSpPr>
+            <a:spLocks noGrp="1"/>
+          </p:cNvSpPr>
+          <p:nvPr>
+            <p:ph idx="1"/>
+          </p:nvPr>
+        </p:nvSpPr>
+        <p:spPr>
+          <a:xfrm>
+            <a:off x="0" y="2084851"/>
+            <a:ext cx="12192000" cy="2404863"/>
+          </a:xfrm>
+        </p:spPr>
+        <p:txBody>
+          <a:bodyPr anchor="ctr">
             <a:normAutofit/>
           </a:bodyPr>
           <a:lstStyle/>
           <a:p>
-            <a:r>
-              <a:rPr lang="en-US" altLang="zh-CN" sz="4800" b="1" dirty="0">
-                <a:solidFill>
-                  <a:srgbClr val="002060"/>
-                </a:solidFill>
-                <a:latin typeface="Microsoft JhengHei" panose="020B0604030504040204" pitchFamily="34" charset="-120"/>
-                <a:ea typeface="Microsoft JhengHei" panose="020B0604030504040204" pitchFamily="34" charset="-120"/>
-              </a:rPr>
-              <a:t>【</a:t>
-            </a:r>
-            <a:r>
-              <a:rPr lang="zh-CN" altLang="en-US" sz="4800" b="1" dirty="0">
-                <a:solidFill>
-                  <a:srgbClr val="002060"/>
-                </a:solidFill>
-                <a:latin typeface="Microsoft JhengHei" panose="020B0604030504040204" pitchFamily="34" charset="-120"/>
-                <a:ea typeface="Microsoft JhengHei" panose="020B0604030504040204" pitchFamily="34" charset="-120"/>
-              </a:rPr>
-              <a:t>再過主日</a:t>
-            </a:r>
-            <a:r>
-              <a:rPr lang="en-US" altLang="zh-CN" sz="4800" b="1" dirty="0">
-                <a:solidFill>
-                  <a:srgbClr val="002060"/>
-                </a:solidFill>
-                <a:latin typeface="Microsoft JhengHei" panose="020B0604030504040204" pitchFamily="34" charset="-120"/>
-                <a:ea typeface="Microsoft JhengHei" panose="020B0604030504040204" pitchFamily="34" charset="-120"/>
-              </a:rPr>
-              <a:t>】</a:t>
-            </a:r>
-          </a:p>
-        </p:txBody>
-      </p:sp>
-      <p:sp>
-        <p:nvSpPr>
-          <p:cNvPr id="5" name="Content Placeholder 4"/>
-          <p:cNvSpPr>
-            <a:spLocks noGrp="1"/>
-          </p:cNvSpPr>
-          <p:nvPr>
-            <p:ph idx="1"/>
-          </p:nvPr>
+            <a:pPr marL="0" indent="0" algn="ctr">
+              <a:buNone/>
+            </a:pPr>
+            <a:r>
+              <a:rPr lang="zh-CN" altLang="zh-TW" sz="6400" b="1" dirty="0">
+                <a:solidFill>
+                  <a:srgbClr val="000066"/>
+                </a:solidFill>
+                <a:latin typeface="Microsoft JhengHei" pitchFamily="34" charset="-120"/>
+                <a:ea typeface="Microsoft JhengHei" pitchFamily="34" charset="-120"/>
+              </a:rPr>
+              <a:t>今求天父發慈心</a:t>
+            </a:r>
+            <a:r>
+              <a:rPr lang="en-US" altLang="zh-CN" sz="6400" b="1" dirty="0">
+                <a:solidFill>
+                  <a:srgbClr val="000066"/>
+                </a:solidFill>
+                <a:latin typeface="Microsoft JhengHei" pitchFamily="34" charset="-120"/>
+                <a:ea typeface="Microsoft JhengHei" pitchFamily="34" charset="-120"/>
+              </a:rPr>
+              <a:t> </a:t>
+            </a:r>
+            <a:endParaRPr lang="en-US" altLang="zh-CN" sz="6400" b="1" dirty="0" smtClean="0">
+              <a:solidFill>
+                <a:srgbClr val="000066"/>
+              </a:solidFill>
+              <a:latin typeface="Microsoft JhengHei" pitchFamily="34" charset="-120"/>
+              <a:ea typeface="Microsoft JhengHei" pitchFamily="34" charset="-120"/>
+            </a:endParaRPr>
+          </a:p>
+          <a:p>
+            <a:pPr marL="0" indent="0" algn="ctr">
+              <a:buNone/>
+            </a:pPr>
+            <a:r>
+              <a:rPr lang="zh-CN" altLang="zh-TW" sz="6400" b="1" dirty="0" smtClean="0">
+                <a:solidFill>
+                  <a:srgbClr val="000066"/>
+                </a:solidFill>
+                <a:latin typeface="Microsoft JhengHei" pitchFamily="34" charset="-120"/>
+                <a:ea typeface="Microsoft JhengHei" pitchFamily="34" charset="-120"/>
+              </a:rPr>
+              <a:t>這日賜福萬國人</a:t>
+            </a:r>
+            <a:endParaRPr lang="en-US" altLang="zh-CN" sz="6400" b="1" dirty="0">
+              <a:solidFill>
+                <a:srgbClr val="000066"/>
+              </a:solidFill>
+              <a:latin typeface="Microsoft JhengHei" pitchFamily="34" charset="-120"/>
+              <a:ea typeface="Microsoft JhengHei" pitchFamily="34" charset="-120"/>
+            </a:endParaRPr>
+          </a:p>
+        </p:txBody>
+      </p:sp>
+      <p:sp>
+        <p:nvSpPr>
+          <p:cNvPr id="3" name="TextBox 2"/>
+          <p:cNvSpPr txBox="1"/>
+          <p:nvPr/>
         </p:nvSpPr>
         <p:spPr>
           <a:xfrm>
-            <a:off x="0" y="1600203"/>
-            <a:ext cx="12192000" cy="5257797"/>
-          </a:xfrm>
-        </p:spPr>
-        <p:txBody>
-          <a:bodyPr>
-            <a:normAutofit/>
-          </a:bodyPr>
-          <a:lstStyle/>
-          <a:p>
-            <a:pPr marL="0" indent="0" algn="ctr">
-              <a:buNone/>
-            </a:pPr>
-            <a:r>
-              <a:rPr lang="zh-CN" altLang="zh-TW" sz="5400" b="1" dirty="0">
-                <a:solidFill>
-                  <a:srgbClr val="002060"/>
-                </a:solidFill>
-                <a:latin typeface="Microsoft JhengHei" panose="020B0604030504040204" pitchFamily="34" charset="-120"/>
-                <a:ea typeface="Microsoft JhengHei" panose="020B0604030504040204" pitchFamily="34" charset="-120"/>
-              </a:rPr>
-              <a:t>聖日應當清早起</a:t>
-            </a:r>
-          </a:p>
-          <a:p>
-            <a:pPr marL="0" indent="0" algn="ctr">
-              <a:buNone/>
-            </a:pPr>
-            <a:r>
-              <a:rPr lang="zh-CN" altLang="zh-TW" sz="5400" b="1" dirty="0">
-                <a:solidFill>
-                  <a:srgbClr val="002060"/>
-                </a:solidFill>
-                <a:latin typeface="Microsoft JhengHei" panose="020B0604030504040204" pitchFamily="34" charset="-120"/>
-                <a:ea typeface="Microsoft JhengHei" panose="020B0604030504040204" pitchFamily="34" charset="-120"/>
-              </a:rPr>
-              <a:t>親近耶穌心歡喜</a:t>
-            </a:r>
-          </a:p>
-          <a:p>
-            <a:pPr marL="0" indent="0" algn="ctr">
-              <a:buNone/>
-            </a:pPr>
-            <a:r>
-              <a:rPr lang="zh-CN" altLang="zh-TW" sz="5400" b="1" dirty="0">
-                <a:solidFill>
-                  <a:srgbClr val="002060"/>
-                </a:solidFill>
-                <a:latin typeface="Microsoft JhengHei" panose="020B0604030504040204" pitchFamily="34" charset="-120"/>
-                <a:ea typeface="Microsoft JhengHei" panose="020B0604030504040204" pitchFamily="34" charset="-120"/>
-              </a:rPr>
-              <a:t>聚集禮拜當專</a:t>
-            </a:r>
-            <a:r>
-              <a:rPr lang="zh-CN" altLang="zh-TW" sz="5400" b="1" dirty="0">
-                <a:solidFill>
-                  <a:srgbClr val="002060"/>
-                </a:solidFill>
-                <a:latin typeface="Microsoft JhengHei" panose="020B0604030504040204" pitchFamily="34" charset="-120"/>
-                <a:ea typeface="Microsoft JhengHei" panose="020B0604030504040204" pitchFamily="34" charset="-120"/>
-              </a:rPr>
-              <a:t>心</a:t>
-            </a:r>
-            <a:r>
-              <a:rPr lang="en-US" altLang="zh-CN" sz="5400" b="1" dirty="0">
-                <a:solidFill>
-                  <a:srgbClr val="002060"/>
-                </a:solidFill>
-                <a:latin typeface="Microsoft JhengHei" panose="020B0604030504040204" pitchFamily="34" charset="-120"/>
-                <a:ea typeface="Microsoft JhengHei" panose="020B0604030504040204" pitchFamily="34" charset="-120"/>
-              </a:rPr>
-              <a:t>  </a:t>
-            </a:r>
-            <a:r>
-              <a:rPr lang="zh-CN" altLang="zh-TW" sz="5400" b="1" dirty="0">
-                <a:solidFill>
-                  <a:srgbClr val="002060"/>
-                </a:solidFill>
-                <a:latin typeface="Microsoft JhengHei" panose="020B0604030504040204" pitchFamily="34" charset="-120"/>
-                <a:ea typeface="Microsoft JhengHei" panose="020B0604030504040204" pitchFamily="34" charset="-120"/>
-              </a:rPr>
-              <a:t>同</a:t>
-            </a:r>
-            <a:r>
-              <a:rPr lang="zh-CN" altLang="zh-TW" sz="5400" b="1" dirty="0">
-                <a:solidFill>
-                  <a:srgbClr val="002060"/>
-                </a:solidFill>
-                <a:latin typeface="Microsoft JhengHei" panose="020B0604030504040204" pitchFamily="34" charset="-120"/>
-                <a:ea typeface="Microsoft JhengHei" panose="020B0604030504040204" pitchFamily="34" charset="-120"/>
-              </a:rPr>
-              <a:t>求聖靈大降</a:t>
-            </a:r>
-            <a:r>
-              <a:rPr lang="zh-CN" altLang="zh-TW" sz="5400" b="1" dirty="0">
-                <a:solidFill>
-                  <a:srgbClr val="002060"/>
-                </a:solidFill>
-                <a:latin typeface="Microsoft JhengHei" panose="020B0604030504040204" pitchFamily="34" charset="-120"/>
-                <a:ea typeface="Microsoft JhengHei" panose="020B0604030504040204" pitchFamily="34" charset="-120"/>
-              </a:rPr>
-              <a:t>臨</a:t>
-            </a:r>
-            <a:endParaRPr lang="en-US" altLang="zh-CN" sz="5400" b="1" dirty="0">
-              <a:solidFill>
-                <a:srgbClr val="002060"/>
-              </a:solidFill>
-              <a:latin typeface="Microsoft JhengHei" panose="020B0604030504040204" pitchFamily="34" charset="-120"/>
-              <a:ea typeface="Microsoft JhengHei" panose="020B0604030504040204" pitchFamily="34" charset="-120"/>
-            </a:endParaRPr>
-          </a:p>
-          <a:p>
-            <a:pPr marL="0" indent="0" algn="ctr">
-              <a:buNone/>
-            </a:pPr>
-            <a:r>
-              <a:rPr lang="zh-CN" altLang="zh-TW" sz="5400" b="1" dirty="0">
-                <a:solidFill>
-                  <a:srgbClr val="002060"/>
-                </a:solidFill>
-                <a:latin typeface="Microsoft JhengHei" panose="020B0604030504040204" pitchFamily="34" charset="-120"/>
-                <a:ea typeface="Microsoft JhengHei" panose="020B0604030504040204" pitchFamily="34" charset="-120"/>
-              </a:rPr>
-              <a:t>生前樂意守主</a:t>
-            </a:r>
-            <a:r>
-              <a:rPr lang="zh-CN" altLang="zh-TW" sz="5400" b="1" dirty="0">
-                <a:solidFill>
-                  <a:srgbClr val="002060"/>
-                </a:solidFill>
-                <a:latin typeface="Microsoft JhengHei" panose="020B0604030504040204" pitchFamily="34" charset="-120"/>
-                <a:ea typeface="Microsoft JhengHei" panose="020B0604030504040204" pitchFamily="34" charset="-120"/>
-              </a:rPr>
-              <a:t>日</a:t>
-            </a:r>
-            <a:r>
-              <a:rPr lang="en-US" altLang="zh-CN" sz="5400" b="1" dirty="0">
-                <a:solidFill>
-                  <a:srgbClr val="002060"/>
-                </a:solidFill>
-                <a:latin typeface="Microsoft JhengHei" panose="020B0604030504040204" pitchFamily="34" charset="-120"/>
-                <a:ea typeface="Microsoft JhengHei" panose="020B0604030504040204" pitchFamily="34" charset="-120"/>
-              </a:rPr>
-              <a:t>  </a:t>
-            </a:r>
-            <a:r>
-              <a:rPr lang="zh-CN" altLang="zh-TW" sz="5400" b="1" dirty="0">
-                <a:solidFill>
-                  <a:srgbClr val="002060"/>
-                </a:solidFill>
-                <a:latin typeface="Microsoft JhengHei" panose="020B0604030504040204" pitchFamily="34" charset="-120"/>
-                <a:ea typeface="Microsoft JhengHei" panose="020B0604030504040204" pitchFamily="34" charset="-120"/>
-              </a:rPr>
-              <a:t>死</a:t>
-            </a:r>
-            <a:r>
-              <a:rPr lang="zh-CN" altLang="zh-TW" sz="5400" b="1" dirty="0">
-                <a:solidFill>
-                  <a:srgbClr val="002060"/>
-                </a:solidFill>
-                <a:latin typeface="Microsoft JhengHei" panose="020B0604030504040204" pitchFamily="34" charset="-120"/>
-                <a:ea typeface="Microsoft JhengHei" panose="020B0604030504040204" pitchFamily="34" charset="-120"/>
-              </a:rPr>
-              <a:t>後在天樂無極</a:t>
-            </a:r>
-          </a:p>
-          <a:p>
-            <a:pPr marL="0" indent="0" algn="ctr">
-              <a:buNone/>
-            </a:pPr>
-            <a:r>
-              <a:rPr lang="zh-CN" altLang="zh-TW" sz="5400" b="1" dirty="0">
-                <a:solidFill>
-                  <a:srgbClr val="002060"/>
-                </a:solidFill>
-                <a:latin typeface="Microsoft JhengHei" panose="020B0604030504040204" pitchFamily="34" charset="-120"/>
-                <a:ea typeface="Microsoft JhengHei" panose="020B0604030504040204" pitchFamily="34" charset="-120"/>
-              </a:rPr>
-              <a:t>靠主心安無掛</a:t>
-            </a:r>
-            <a:r>
-              <a:rPr lang="zh-CN" altLang="zh-TW" sz="5400" b="1" dirty="0">
-                <a:solidFill>
-                  <a:srgbClr val="002060"/>
-                </a:solidFill>
-                <a:latin typeface="Microsoft JhengHei" panose="020B0604030504040204" pitchFamily="34" charset="-120"/>
-                <a:ea typeface="Microsoft JhengHei" panose="020B0604030504040204" pitchFamily="34" charset="-120"/>
-              </a:rPr>
-              <a:t>慮</a:t>
-            </a:r>
-            <a:r>
-              <a:rPr lang="en-US" altLang="zh-CN" sz="5400" b="1" dirty="0">
-                <a:solidFill>
-                  <a:srgbClr val="002060"/>
-                </a:solidFill>
-                <a:latin typeface="Microsoft JhengHei" panose="020B0604030504040204" pitchFamily="34" charset="-120"/>
-                <a:ea typeface="Microsoft JhengHei" panose="020B0604030504040204" pitchFamily="34" charset="-120"/>
-              </a:rPr>
-              <a:t>  </a:t>
-            </a:r>
-            <a:r>
-              <a:rPr lang="zh-CN" altLang="zh-TW" sz="5400" b="1" dirty="0">
-                <a:solidFill>
-                  <a:srgbClr val="002060"/>
-                </a:solidFill>
-                <a:latin typeface="Microsoft JhengHei" panose="020B0604030504040204" pitchFamily="34" charset="-120"/>
-                <a:ea typeface="Microsoft JhengHei" panose="020B0604030504040204" pitchFamily="34" charset="-120"/>
-              </a:rPr>
-              <a:t>能</a:t>
-            </a:r>
-            <a:r>
-              <a:rPr lang="zh-CN" altLang="zh-TW" sz="5400" b="1" dirty="0">
-                <a:solidFill>
-                  <a:srgbClr val="002060"/>
-                </a:solidFill>
-                <a:latin typeface="Microsoft JhengHei" panose="020B0604030504040204" pitchFamily="34" charset="-120"/>
-                <a:ea typeface="Microsoft JhengHei" panose="020B0604030504040204" pitchFamily="34" charset="-120"/>
-              </a:rPr>
-              <a:t>到明宮有憑</a:t>
-            </a:r>
-            <a:r>
-              <a:rPr lang="zh-CN" altLang="zh-TW" sz="5400" b="1" dirty="0">
-                <a:solidFill>
-                  <a:srgbClr val="002060"/>
-                </a:solidFill>
-                <a:latin typeface="Microsoft JhengHei" panose="020B0604030504040204" pitchFamily="34" charset="-120"/>
-                <a:ea typeface="Microsoft JhengHei" panose="020B0604030504040204" pitchFamily="34" charset="-120"/>
-              </a:rPr>
-              <a:t>據</a:t>
-            </a:r>
-            <a:endParaRPr lang="zh-CN" altLang="zh-TW" sz="5400" b="1" dirty="0">
-              <a:solidFill>
-                <a:srgbClr val="002060"/>
-              </a:solidFill>
-              <a:latin typeface="Microsoft JhengHei" panose="020B0604030504040204" pitchFamily="34" charset="-120"/>
-              <a:ea typeface="Microsoft JhengHei" panose="020B0604030504040204" pitchFamily="34" charset="-120"/>
-            </a:endParaRPr>
-          </a:p>
-        </p:txBody>
-      </p:sp>
-      <p:sp>
-        <p:nvSpPr>
-          <p:cNvPr id="7" name="Text Box 1"/>
-          <p:cNvSpPr txBox="1"/>
-          <p:nvPr/>
-        </p:nvSpPr>
-        <p:spPr>
-          <a:xfrm>
-            <a:off x="1343472" y="1700808"/>
-            <a:ext cx="911424" cy="923330"/>
+            <a:off x="0" y="5061182"/>
+            <a:ext cx="12192000" cy="830997"/>
           </a:xfrm>
           <a:prstGeom prst="rect">
             <a:avLst/>
           </a:prstGeom>
           <a:noFill/>
-          <a:ln w="9525">
-            <a:noFill/>
-            <a:miter lim="800000"/>
-          </a:ln>
         </p:spPr>
         <p:txBody>
-          <a:bodyPr wrap="square">
+          <a:bodyPr wrap="square" rtlCol="0">
             <a:spAutoFit/>
           </a:bodyPr>
           <a:lstStyle/>
           <a:p>
             <a:pPr algn="ctr"/>
             <a:r>
-              <a:rPr lang="en-US" sz="5400" b="1" dirty="0">
-                <a:solidFill>
-                  <a:srgbClr val="002060"/>
-                </a:solidFill>
-              </a:rPr>
-              <a:t>3</a:t>
-            </a:r>
-            <a:r>
-              <a:rPr lang="en-US" sz="5400" b="1" dirty="0" smtClean="0">
-                <a:solidFill>
-                  <a:srgbClr val="002060"/>
-                </a:solidFill>
-              </a:rPr>
-              <a:t>.</a:t>
-            </a:r>
-            <a:endParaRPr lang="en-US" sz="5400" b="1" dirty="0">
+              <a:rPr lang="en-US" sz="4800" b="1" dirty="0">
+                <a:solidFill>
+                  <a:srgbClr val="000066"/>
+                </a:solidFill>
+              </a:rPr>
+              <a:t>( 1 )</a:t>
+            </a:r>
+            <a:endParaRPr lang="vi-VN" sz="4800" b="1" dirty="0">
               <a:solidFill>
-                <a:srgbClr val="002060"/>
+                <a:srgbClr val="000066"/>
               </a:solidFill>
             </a:endParaRPr>
           </a:p>
@@ -4937,7 +4840,1014 @@
     </p:spTree>
     <p:extLst>
       <p:ext uri="{BB962C8B-B14F-4D97-AF65-F5344CB8AC3E}">
-        <p14:creationId xmlns:p14="http://schemas.microsoft.com/office/powerpoint/2010/main" val="3421618305"/>
+        <p14:creationId xmlns:p14="http://schemas.microsoft.com/office/powerpoint/2010/main" val="1291682408"/>
+      </p:ext>
+    </p:extLst>
+  </p:cSld>
+  <p:clrMapOvr>
+    <a:masterClrMapping/>
+  </p:clrMapOvr>
+  <p:timing>
+    <p:tnLst>
+      <p:par>
+        <p:cTn id="1" dur="indefinite" restart="never" nodeType="tmRoot"/>
+      </p:par>
+    </p:tnLst>
+  </p:timing>
+</p:sld>
+</file>
+
+<file path=ppt/slides/slide4.xml><?xml version="1.0" encoding="utf-8"?>
+<p:sld xmlns:a="http://schemas.openxmlformats.org/drawingml/2006/main" xmlns:r="http://schemas.openxmlformats.org/officeDocument/2006/relationships" xmlns:p="http://schemas.openxmlformats.org/presentationml/2006/main">
+  <p:cSld>
+    <p:spTree>
+      <p:nvGrpSpPr>
+        <p:cNvPr id="1" name=""/>
+        <p:cNvGrpSpPr/>
+        <p:nvPr/>
+      </p:nvGrpSpPr>
+      <p:grpSpPr>
+        <a:xfrm>
+          <a:off x="0" y="0"/>
+          <a:ext cx="0" cy="0"/>
+          <a:chOff x="0" y="0"/>
+          <a:chExt cx="0" cy="0"/>
+        </a:xfrm>
+      </p:grpSpPr>
+      <p:sp>
+        <p:nvSpPr>
+          <p:cNvPr id="5" name="內容版面配置區 4"/>
+          <p:cNvSpPr>
+            <a:spLocks noGrp="1"/>
+          </p:cNvSpPr>
+          <p:nvPr>
+            <p:ph idx="1"/>
+          </p:nvPr>
+        </p:nvSpPr>
+        <p:spPr>
+          <a:xfrm>
+            <a:off x="0" y="2084851"/>
+            <a:ext cx="12192000" cy="2404863"/>
+          </a:xfrm>
+        </p:spPr>
+        <p:txBody>
+          <a:bodyPr anchor="ctr">
+            <a:normAutofit/>
+          </a:bodyPr>
+          <a:lstStyle/>
+          <a:p>
+            <a:pPr marL="0" indent="0" algn="ctr">
+              <a:buNone/>
+            </a:pPr>
+            <a:r>
+              <a:rPr lang="zh-CN" altLang="zh-TW" sz="6400" b="1" dirty="0">
+                <a:solidFill>
+                  <a:srgbClr val="000066"/>
+                </a:solidFill>
+                <a:latin typeface="Microsoft JhengHei" pitchFamily="34" charset="-120"/>
+                <a:ea typeface="Microsoft JhengHei" pitchFamily="34" charset="-120"/>
+              </a:rPr>
+              <a:t>今日紀念主復</a:t>
+            </a:r>
+            <a:r>
+              <a:rPr lang="zh-CN" altLang="zh-TW" sz="6400" b="1" dirty="0">
+                <a:solidFill>
+                  <a:srgbClr val="000066"/>
+                </a:solidFill>
+                <a:latin typeface="Microsoft JhengHei" pitchFamily="34" charset="-120"/>
+                <a:ea typeface="Microsoft JhengHei" pitchFamily="34" charset="-120"/>
+              </a:rPr>
+              <a:t>活</a:t>
+            </a:r>
+            <a:endParaRPr lang="en-US" altLang="zh-CN" sz="6400" b="1" dirty="0">
+              <a:solidFill>
+                <a:srgbClr val="000066"/>
+              </a:solidFill>
+              <a:latin typeface="Microsoft JhengHei" pitchFamily="34" charset="-120"/>
+              <a:ea typeface="Microsoft JhengHei" pitchFamily="34" charset="-120"/>
+            </a:endParaRPr>
+          </a:p>
+          <a:p>
+            <a:pPr marL="0" indent="0" algn="ctr">
+              <a:buNone/>
+            </a:pPr>
+            <a:r>
+              <a:rPr lang="zh-CN" altLang="zh-TW" sz="6400" b="1" dirty="0">
+                <a:solidFill>
+                  <a:srgbClr val="000066"/>
+                </a:solidFill>
+                <a:latin typeface="Microsoft JhengHei" pitchFamily="34" charset="-120"/>
+                <a:ea typeface="Microsoft JhengHei" pitchFamily="34" charset="-120"/>
+              </a:rPr>
+              <a:t>福</a:t>
+            </a:r>
+            <a:r>
+              <a:rPr lang="zh-CN" altLang="zh-TW" sz="6400" b="1" dirty="0">
+                <a:solidFill>
+                  <a:srgbClr val="000066"/>
+                </a:solidFill>
+                <a:latin typeface="Microsoft JhengHei" pitchFamily="34" charset="-120"/>
+                <a:ea typeface="Microsoft JhengHei" pitchFamily="34" charset="-120"/>
+              </a:rPr>
+              <a:t>音真理傳廣闊</a:t>
+            </a:r>
+          </a:p>
+        </p:txBody>
+      </p:sp>
+      <p:sp>
+        <p:nvSpPr>
+          <p:cNvPr id="3" name="TextBox 2"/>
+          <p:cNvSpPr txBox="1"/>
+          <p:nvPr/>
+        </p:nvSpPr>
+        <p:spPr>
+          <a:xfrm>
+            <a:off x="0" y="5061182"/>
+            <a:ext cx="12192000" cy="830997"/>
+          </a:xfrm>
+          <a:prstGeom prst="rect">
+            <a:avLst/>
+          </a:prstGeom>
+          <a:noFill/>
+        </p:spPr>
+        <p:txBody>
+          <a:bodyPr wrap="square" rtlCol="0">
+            <a:spAutoFit/>
+          </a:bodyPr>
+          <a:lstStyle/>
+          <a:p>
+            <a:pPr algn="ctr"/>
+            <a:r>
+              <a:rPr lang="en-US" sz="4800" b="1" dirty="0">
+                <a:solidFill>
+                  <a:srgbClr val="000066"/>
+                </a:solidFill>
+              </a:rPr>
+              <a:t>( 1 )</a:t>
+            </a:r>
+            <a:endParaRPr lang="vi-VN" sz="4800" b="1" dirty="0">
+              <a:solidFill>
+                <a:srgbClr val="000066"/>
+              </a:solidFill>
+            </a:endParaRPr>
+          </a:p>
+        </p:txBody>
+      </p:sp>
+    </p:spTree>
+    <p:extLst>
+      <p:ext uri="{BB962C8B-B14F-4D97-AF65-F5344CB8AC3E}">
+        <p14:creationId xmlns:p14="http://schemas.microsoft.com/office/powerpoint/2010/main" val="3864011282"/>
+      </p:ext>
+    </p:extLst>
+  </p:cSld>
+  <p:clrMapOvr>
+    <a:masterClrMapping/>
+  </p:clrMapOvr>
+  <p:timing>
+    <p:tnLst>
+      <p:par>
+        <p:cTn id="1" dur="indefinite" restart="never" nodeType="tmRoot"/>
+      </p:par>
+    </p:tnLst>
+  </p:timing>
+</p:sld>
+</file>
+
+<file path=ppt/slides/slide5.xml><?xml version="1.0" encoding="utf-8"?>
+<p:sld xmlns:a="http://schemas.openxmlformats.org/drawingml/2006/main" xmlns:r="http://schemas.openxmlformats.org/officeDocument/2006/relationships" xmlns:p="http://schemas.openxmlformats.org/presentationml/2006/main">
+  <p:cSld>
+    <p:spTree>
+      <p:nvGrpSpPr>
+        <p:cNvPr id="1" name=""/>
+        <p:cNvGrpSpPr/>
+        <p:nvPr/>
+      </p:nvGrpSpPr>
+      <p:grpSpPr>
+        <a:xfrm>
+          <a:off x="0" y="0"/>
+          <a:ext cx="0" cy="0"/>
+          <a:chOff x="0" y="0"/>
+          <a:chExt cx="0" cy="0"/>
+        </a:xfrm>
+      </p:grpSpPr>
+      <p:sp>
+        <p:nvSpPr>
+          <p:cNvPr id="5" name="內容版面配置區 4"/>
+          <p:cNvSpPr>
+            <a:spLocks noGrp="1"/>
+          </p:cNvSpPr>
+          <p:nvPr>
+            <p:ph idx="1"/>
+          </p:nvPr>
+        </p:nvSpPr>
+        <p:spPr>
+          <a:xfrm>
+            <a:off x="0" y="2084851"/>
+            <a:ext cx="12192000" cy="2404863"/>
+          </a:xfrm>
+        </p:spPr>
+        <p:txBody>
+          <a:bodyPr anchor="ctr">
+            <a:normAutofit/>
+          </a:bodyPr>
+          <a:lstStyle/>
+          <a:p>
+            <a:pPr marL="0" indent="0" algn="ctr">
+              <a:buNone/>
+            </a:pPr>
+            <a:r>
+              <a:rPr lang="zh-CN" altLang="zh-TW" sz="6400" b="1" dirty="0">
+                <a:solidFill>
+                  <a:srgbClr val="000066"/>
+                </a:solidFill>
+                <a:latin typeface="Microsoft JhengHei" pitchFamily="34" charset="-120"/>
+                <a:ea typeface="Microsoft JhengHei" pitchFamily="34" charset="-120"/>
+              </a:rPr>
+              <a:t>欣逢禮拜樂難</a:t>
+            </a:r>
+            <a:r>
+              <a:rPr lang="zh-CN" altLang="zh-TW" sz="6400" b="1" dirty="0">
+                <a:solidFill>
+                  <a:srgbClr val="000066"/>
+                </a:solidFill>
+                <a:latin typeface="Microsoft JhengHei" pitchFamily="34" charset="-120"/>
+                <a:ea typeface="Microsoft JhengHei" pitchFamily="34" charset="-120"/>
+              </a:rPr>
+              <a:t>說</a:t>
+            </a:r>
+            <a:endParaRPr lang="en-US" altLang="zh-CN" sz="6400" b="1" dirty="0">
+              <a:solidFill>
+                <a:srgbClr val="000066"/>
+              </a:solidFill>
+              <a:latin typeface="Microsoft JhengHei" pitchFamily="34" charset="-120"/>
+              <a:ea typeface="Microsoft JhengHei" pitchFamily="34" charset="-120"/>
+            </a:endParaRPr>
+          </a:p>
+          <a:p>
+            <a:pPr marL="0" indent="0" algn="ctr">
+              <a:buNone/>
+            </a:pPr>
+            <a:r>
+              <a:rPr lang="zh-CN" altLang="zh-TW" sz="6400" b="1" dirty="0">
+                <a:solidFill>
+                  <a:srgbClr val="000066"/>
+                </a:solidFill>
+                <a:latin typeface="Microsoft JhengHei" pitchFamily="34" charset="-120"/>
+                <a:ea typeface="Microsoft JhengHei" pitchFamily="34" charset="-120"/>
+              </a:rPr>
+              <a:t>身</a:t>
+            </a:r>
+            <a:r>
+              <a:rPr lang="zh-CN" altLang="zh-TW" sz="6400" b="1" dirty="0">
+                <a:solidFill>
+                  <a:srgbClr val="000066"/>
+                </a:solidFill>
+                <a:latin typeface="Microsoft JhengHei" pitchFamily="34" charset="-120"/>
+                <a:ea typeface="Microsoft JhengHei" pitchFamily="34" charset="-120"/>
+              </a:rPr>
+              <a:t>心安息滿快樂</a:t>
+            </a:r>
+          </a:p>
+        </p:txBody>
+      </p:sp>
+      <p:sp>
+        <p:nvSpPr>
+          <p:cNvPr id="3" name="TextBox 2"/>
+          <p:cNvSpPr txBox="1"/>
+          <p:nvPr/>
+        </p:nvSpPr>
+        <p:spPr>
+          <a:xfrm>
+            <a:off x="0" y="5061182"/>
+            <a:ext cx="12192000" cy="830997"/>
+          </a:xfrm>
+          <a:prstGeom prst="rect">
+            <a:avLst/>
+          </a:prstGeom>
+          <a:noFill/>
+        </p:spPr>
+        <p:txBody>
+          <a:bodyPr wrap="square" rtlCol="0">
+            <a:spAutoFit/>
+          </a:bodyPr>
+          <a:lstStyle/>
+          <a:p>
+            <a:pPr algn="ctr"/>
+            <a:r>
+              <a:rPr lang="en-US" sz="4800" b="1" dirty="0">
+                <a:solidFill>
+                  <a:srgbClr val="000066"/>
+                </a:solidFill>
+              </a:rPr>
+              <a:t>( 1 )</a:t>
+            </a:r>
+            <a:endParaRPr lang="vi-VN" sz="4800" b="1" dirty="0">
+              <a:solidFill>
+                <a:srgbClr val="000066"/>
+              </a:solidFill>
+            </a:endParaRPr>
+          </a:p>
+        </p:txBody>
+      </p:sp>
+    </p:spTree>
+    <p:extLst>
+      <p:ext uri="{BB962C8B-B14F-4D97-AF65-F5344CB8AC3E}">
+        <p14:creationId xmlns:p14="http://schemas.microsoft.com/office/powerpoint/2010/main" val="636032224"/>
+      </p:ext>
+    </p:extLst>
+  </p:cSld>
+  <p:clrMapOvr>
+    <a:masterClrMapping/>
+  </p:clrMapOvr>
+  <p:timing>
+    <p:tnLst>
+      <p:par>
+        <p:cTn id="1" dur="indefinite" restart="never" nodeType="tmRoot"/>
+      </p:par>
+    </p:tnLst>
+  </p:timing>
+</p:sld>
+</file>
+
+<file path=ppt/slides/slide6.xml><?xml version="1.0" encoding="utf-8"?>
+<p:sld xmlns:a="http://schemas.openxmlformats.org/drawingml/2006/main" xmlns:r="http://schemas.openxmlformats.org/officeDocument/2006/relationships" xmlns:p="http://schemas.openxmlformats.org/presentationml/2006/main">
+  <p:cSld>
+    <p:spTree>
+      <p:nvGrpSpPr>
+        <p:cNvPr id="1" name=""/>
+        <p:cNvGrpSpPr/>
+        <p:nvPr/>
+      </p:nvGrpSpPr>
+      <p:grpSpPr>
+        <a:xfrm>
+          <a:off x="0" y="0"/>
+          <a:ext cx="0" cy="0"/>
+          <a:chOff x="0" y="0"/>
+          <a:chExt cx="0" cy="0"/>
+        </a:xfrm>
+      </p:grpSpPr>
+      <p:sp>
+        <p:nvSpPr>
+          <p:cNvPr id="5" name="內容版面配置區 4"/>
+          <p:cNvSpPr>
+            <a:spLocks noGrp="1"/>
+          </p:cNvSpPr>
+          <p:nvPr>
+            <p:ph idx="1"/>
+          </p:nvPr>
+        </p:nvSpPr>
+        <p:spPr>
+          <a:xfrm>
+            <a:off x="0" y="2084851"/>
+            <a:ext cx="12192000" cy="2404863"/>
+          </a:xfrm>
+        </p:spPr>
+        <p:txBody>
+          <a:bodyPr anchor="ctr">
+            <a:normAutofit/>
+          </a:bodyPr>
+          <a:lstStyle/>
+          <a:p>
+            <a:pPr marL="0" indent="0" algn="ctr">
+              <a:buNone/>
+            </a:pPr>
+            <a:r>
+              <a:rPr lang="zh-CN" altLang="zh-TW" sz="6400" b="1" dirty="0">
+                <a:solidFill>
+                  <a:srgbClr val="000066"/>
+                </a:solidFill>
+                <a:latin typeface="Microsoft JhengHei" pitchFamily="34" charset="-120"/>
+                <a:ea typeface="Microsoft JhengHei" pitchFamily="34" charset="-120"/>
+              </a:rPr>
+              <a:t>生命惟靠主保護</a:t>
+            </a:r>
+            <a:endParaRPr lang="en-US" altLang="zh-CN" sz="6400" b="1" dirty="0">
+              <a:solidFill>
+                <a:srgbClr val="000066"/>
+              </a:solidFill>
+              <a:latin typeface="Microsoft JhengHei" pitchFamily="34" charset="-120"/>
+              <a:ea typeface="Microsoft JhengHei" pitchFamily="34" charset="-120"/>
+            </a:endParaRPr>
+          </a:p>
+          <a:p>
+            <a:pPr marL="0" indent="0" algn="ctr">
+              <a:buNone/>
+            </a:pPr>
+            <a:r>
+              <a:rPr lang="zh-CN" altLang="zh-TW" sz="6400" b="1" dirty="0">
+                <a:solidFill>
+                  <a:srgbClr val="000066"/>
+                </a:solidFill>
+                <a:latin typeface="Microsoft JhengHei" pitchFamily="34" charset="-120"/>
+                <a:ea typeface="Microsoft JhengHei" pitchFamily="34" charset="-120"/>
+              </a:rPr>
+              <a:t>衣食豐足主照顧</a:t>
+            </a:r>
+          </a:p>
+        </p:txBody>
+      </p:sp>
+      <p:sp>
+        <p:nvSpPr>
+          <p:cNvPr id="3" name="TextBox 2"/>
+          <p:cNvSpPr txBox="1"/>
+          <p:nvPr/>
+        </p:nvSpPr>
+        <p:spPr>
+          <a:xfrm>
+            <a:off x="0" y="5061182"/>
+            <a:ext cx="12192000" cy="830997"/>
+          </a:xfrm>
+          <a:prstGeom prst="rect">
+            <a:avLst/>
+          </a:prstGeom>
+          <a:noFill/>
+        </p:spPr>
+        <p:txBody>
+          <a:bodyPr wrap="square" rtlCol="0">
+            <a:spAutoFit/>
+          </a:bodyPr>
+          <a:lstStyle/>
+          <a:p>
+            <a:pPr algn="ctr"/>
+            <a:r>
+              <a:rPr lang="en-US" sz="4800" b="1" dirty="0">
+                <a:solidFill>
+                  <a:srgbClr val="000066"/>
+                </a:solidFill>
+              </a:rPr>
+              <a:t>( </a:t>
+            </a:r>
+            <a:r>
+              <a:rPr lang="en-US" sz="4800" b="1" dirty="0" smtClean="0">
+                <a:solidFill>
+                  <a:srgbClr val="000066"/>
+                </a:solidFill>
+              </a:rPr>
+              <a:t>2 </a:t>
+            </a:r>
+            <a:r>
+              <a:rPr lang="en-US" sz="4800" b="1" dirty="0">
+                <a:solidFill>
+                  <a:srgbClr val="000066"/>
+                </a:solidFill>
+              </a:rPr>
+              <a:t>)</a:t>
+            </a:r>
+            <a:endParaRPr lang="vi-VN" sz="4800" b="1" dirty="0">
+              <a:solidFill>
+                <a:srgbClr val="000066"/>
+              </a:solidFill>
+            </a:endParaRPr>
+          </a:p>
+        </p:txBody>
+      </p:sp>
+    </p:spTree>
+    <p:extLst>
+      <p:ext uri="{BB962C8B-B14F-4D97-AF65-F5344CB8AC3E}">
+        <p14:creationId xmlns:p14="http://schemas.microsoft.com/office/powerpoint/2010/main" val="146888710"/>
+      </p:ext>
+    </p:extLst>
+  </p:cSld>
+  <p:clrMapOvr>
+    <a:masterClrMapping/>
+  </p:clrMapOvr>
+  <p:timing>
+    <p:tnLst>
+      <p:par>
+        <p:cTn id="1" dur="indefinite" restart="never" nodeType="tmRoot"/>
+      </p:par>
+    </p:tnLst>
+  </p:timing>
+</p:sld>
+</file>
+
+<file path=ppt/slides/slide7.xml><?xml version="1.0" encoding="utf-8"?>
+<p:sld xmlns:a="http://schemas.openxmlformats.org/drawingml/2006/main" xmlns:r="http://schemas.openxmlformats.org/officeDocument/2006/relationships" xmlns:p="http://schemas.openxmlformats.org/presentationml/2006/main">
+  <p:cSld>
+    <p:spTree>
+      <p:nvGrpSpPr>
+        <p:cNvPr id="1" name=""/>
+        <p:cNvGrpSpPr/>
+        <p:nvPr/>
+      </p:nvGrpSpPr>
+      <p:grpSpPr>
+        <a:xfrm>
+          <a:off x="0" y="0"/>
+          <a:ext cx="0" cy="0"/>
+          <a:chOff x="0" y="0"/>
+          <a:chExt cx="0" cy="0"/>
+        </a:xfrm>
+      </p:grpSpPr>
+      <p:sp>
+        <p:nvSpPr>
+          <p:cNvPr id="5" name="內容版面配置區 4"/>
+          <p:cNvSpPr>
+            <a:spLocks noGrp="1"/>
+          </p:cNvSpPr>
+          <p:nvPr>
+            <p:ph idx="1"/>
+          </p:nvPr>
+        </p:nvSpPr>
+        <p:spPr>
+          <a:xfrm>
+            <a:off x="0" y="2084851"/>
+            <a:ext cx="12192000" cy="2404863"/>
+          </a:xfrm>
+        </p:spPr>
+        <p:txBody>
+          <a:bodyPr anchor="ctr">
+            <a:normAutofit/>
+          </a:bodyPr>
+          <a:lstStyle/>
+          <a:p>
+            <a:pPr marL="0" indent="0" algn="ctr">
+              <a:buNone/>
+            </a:pPr>
+            <a:r>
+              <a:rPr lang="zh-CN" altLang="zh-TW" sz="6400" b="1" dirty="0">
+                <a:solidFill>
+                  <a:srgbClr val="000066"/>
+                </a:solidFill>
+                <a:latin typeface="Microsoft JhengHei" pitchFamily="34" charset="-120"/>
+                <a:ea typeface="Microsoft JhengHei" pitchFamily="34" charset="-120"/>
+              </a:rPr>
+              <a:t>罪人蒙恩日日</a:t>
+            </a:r>
+            <a:r>
+              <a:rPr lang="zh-CN" altLang="zh-TW" sz="6400" b="1" dirty="0">
+                <a:solidFill>
+                  <a:srgbClr val="000066"/>
+                </a:solidFill>
+                <a:latin typeface="Microsoft JhengHei" pitchFamily="34" charset="-120"/>
+                <a:ea typeface="Microsoft JhengHei" pitchFamily="34" charset="-120"/>
+              </a:rPr>
+              <a:t>新</a:t>
+            </a:r>
+            <a:endParaRPr lang="en-US" altLang="zh-CN" sz="6400" b="1" dirty="0">
+              <a:solidFill>
+                <a:srgbClr val="000066"/>
+              </a:solidFill>
+              <a:latin typeface="Microsoft JhengHei" pitchFamily="34" charset="-120"/>
+              <a:ea typeface="Microsoft JhengHei" pitchFamily="34" charset="-120"/>
+            </a:endParaRPr>
+          </a:p>
+          <a:p>
+            <a:pPr marL="0" indent="0" algn="ctr">
+              <a:buNone/>
+            </a:pPr>
+            <a:r>
+              <a:rPr lang="zh-CN" altLang="zh-TW" sz="6400" b="1" dirty="0">
+                <a:solidFill>
+                  <a:srgbClr val="000066"/>
+                </a:solidFill>
+                <a:latin typeface="Microsoft JhengHei" pitchFamily="34" charset="-120"/>
+                <a:ea typeface="Microsoft JhengHei" pitchFamily="34" charset="-120"/>
+              </a:rPr>
+              <a:t>甘</a:t>
+            </a:r>
+            <a:r>
+              <a:rPr lang="zh-CN" altLang="zh-TW" sz="6400" b="1" dirty="0">
+                <a:solidFill>
+                  <a:srgbClr val="000066"/>
+                </a:solidFill>
+                <a:latin typeface="Microsoft JhengHei" pitchFamily="34" charset="-120"/>
+                <a:ea typeface="Microsoft JhengHei" pitchFamily="34" charset="-120"/>
+              </a:rPr>
+              <a:t>心樂意獻全身</a:t>
+            </a:r>
+            <a:endParaRPr lang="en-US" altLang="zh-CN" sz="6400" b="1" dirty="0">
+              <a:solidFill>
+                <a:srgbClr val="000066"/>
+              </a:solidFill>
+              <a:latin typeface="Microsoft JhengHei" pitchFamily="34" charset="-120"/>
+              <a:ea typeface="Microsoft JhengHei" pitchFamily="34" charset="-120"/>
+            </a:endParaRPr>
+          </a:p>
+        </p:txBody>
+      </p:sp>
+      <p:sp>
+        <p:nvSpPr>
+          <p:cNvPr id="3" name="TextBox 2"/>
+          <p:cNvSpPr txBox="1"/>
+          <p:nvPr/>
+        </p:nvSpPr>
+        <p:spPr>
+          <a:xfrm>
+            <a:off x="0" y="5061182"/>
+            <a:ext cx="12192000" cy="830997"/>
+          </a:xfrm>
+          <a:prstGeom prst="rect">
+            <a:avLst/>
+          </a:prstGeom>
+          <a:noFill/>
+        </p:spPr>
+        <p:txBody>
+          <a:bodyPr wrap="square" rtlCol="0">
+            <a:spAutoFit/>
+          </a:bodyPr>
+          <a:lstStyle/>
+          <a:p>
+            <a:pPr algn="ctr"/>
+            <a:r>
+              <a:rPr lang="en-US" sz="4800" b="1" dirty="0">
+                <a:solidFill>
+                  <a:srgbClr val="000066"/>
+                </a:solidFill>
+              </a:rPr>
+              <a:t>( </a:t>
+            </a:r>
+            <a:r>
+              <a:rPr lang="en-US" sz="4800" b="1" dirty="0" smtClean="0">
+                <a:solidFill>
+                  <a:srgbClr val="000066"/>
+                </a:solidFill>
+              </a:rPr>
+              <a:t>2 </a:t>
+            </a:r>
+            <a:r>
+              <a:rPr lang="en-US" sz="4800" b="1" dirty="0">
+                <a:solidFill>
+                  <a:srgbClr val="000066"/>
+                </a:solidFill>
+              </a:rPr>
+              <a:t>)</a:t>
+            </a:r>
+            <a:endParaRPr lang="vi-VN" sz="4800" b="1" dirty="0">
+              <a:solidFill>
+                <a:srgbClr val="000066"/>
+              </a:solidFill>
+            </a:endParaRPr>
+          </a:p>
+        </p:txBody>
+      </p:sp>
+    </p:spTree>
+    <p:extLst>
+      <p:ext uri="{BB962C8B-B14F-4D97-AF65-F5344CB8AC3E}">
+        <p14:creationId xmlns:p14="http://schemas.microsoft.com/office/powerpoint/2010/main" val="1288462715"/>
+      </p:ext>
+    </p:extLst>
+  </p:cSld>
+  <p:clrMapOvr>
+    <a:masterClrMapping/>
+  </p:clrMapOvr>
+  <p:timing>
+    <p:tnLst>
+      <p:par>
+        <p:cTn id="1" dur="indefinite" restart="never" nodeType="tmRoot"/>
+      </p:par>
+    </p:tnLst>
+  </p:timing>
+</p:sld>
+</file>
+
+<file path=ppt/slides/slide8.xml><?xml version="1.0" encoding="utf-8"?>
+<p:sld xmlns:a="http://schemas.openxmlformats.org/drawingml/2006/main" xmlns:r="http://schemas.openxmlformats.org/officeDocument/2006/relationships" xmlns:p="http://schemas.openxmlformats.org/presentationml/2006/main">
+  <p:cSld>
+    <p:spTree>
+      <p:nvGrpSpPr>
+        <p:cNvPr id="1" name=""/>
+        <p:cNvGrpSpPr/>
+        <p:nvPr/>
+      </p:nvGrpSpPr>
+      <p:grpSpPr>
+        <a:xfrm>
+          <a:off x="0" y="0"/>
+          <a:ext cx="0" cy="0"/>
+          <a:chOff x="0" y="0"/>
+          <a:chExt cx="0" cy="0"/>
+        </a:xfrm>
+      </p:grpSpPr>
+      <p:sp>
+        <p:nvSpPr>
+          <p:cNvPr id="5" name="內容版面配置區 4"/>
+          <p:cNvSpPr>
+            <a:spLocks noGrp="1"/>
+          </p:cNvSpPr>
+          <p:nvPr>
+            <p:ph idx="1"/>
+          </p:nvPr>
+        </p:nvSpPr>
+        <p:spPr>
+          <a:xfrm>
+            <a:off x="0" y="2084851"/>
+            <a:ext cx="12192000" cy="2404863"/>
+          </a:xfrm>
+        </p:spPr>
+        <p:txBody>
+          <a:bodyPr anchor="ctr">
+            <a:normAutofit/>
+          </a:bodyPr>
+          <a:lstStyle/>
+          <a:p>
+            <a:pPr marL="0" indent="0" algn="ctr">
+              <a:buNone/>
+            </a:pPr>
+            <a:r>
+              <a:rPr lang="zh-CN" altLang="zh-TW" sz="6400" b="1" dirty="0">
+                <a:solidFill>
+                  <a:srgbClr val="000066"/>
+                </a:solidFill>
+                <a:latin typeface="Microsoft JhengHei" pitchFamily="34" charset="-120"/>
+                <a:ea typeface="Microsoft JhengHei" pitchFamily="34" charset="-120"/>
+              </a:rPr>
+              <a:t>六</a:t>
+            </a:r>
+            <a:r>
+              <a:rPr lang="zh-CN" altLang="en-US" sz="6400" b="1" dirty="0">
+                <a:solidFill>
+                  <a:srgbClr val="000066"/>
+                </a:solidFill>
+                <a:latin typeface="Microsoft JhengHei" pitchFamily="34" charset="-120"/>
+                <a:ea typeface="Microsoft JhengHei" pitchFamily="34" charset="-120"/>
+              </a:rPr>
+              <a:t>日</a:t>
+            </a:r>
+            <a:r>
+              <a:rPr lang="zh-CN" altLang="zh-TW" sz="6400" b="1" dirty="0">
+                <a:solidFill>
+                  <a:srgbClr val="000066"/>
+                </a:solidFill>
+                <a:latin typeface="Microsoft JhengHei" pitchFamily="34" charset="-120"/>
+                <a:ea typeface="Microsoft JhengHei" pitchFamily="34" charset="-120"/>
+              </a:rPr>
+              <a:t>勞碌為口</a:t>
+            </a:r>
+            <a:r>
+              <a:rPr lang="zh-CN" altLang="zh-TW" sz="6400" b="1" dirty="0">
+                <a:solidFill>
+                  <a:srgbClr val="000066"/>
+                </a:solidFill>
+                <a:latin typeface="Microsoft JhengHei" pitchFamily="34" charset="-120"/>
+                <a:ea typeface="Microsoft JhengHei" pitchFamily="34" charset="-120"/>
+              </a:rPr>
+              <a:t>腹</a:t>
+            </a:r>
+            <a:endParaRPr lang="en-US" altLang="zh-CN" sz="6400" b="1" dirty="0">
+              <a:solidFill>
+                <a:srgbClr val="000066"/>
+              </a:solidFill>
+              <a:latin typeface="Microsoft JhengHei" pitchFamily="34" charset="-120"/>
+              <a:ea typeface="Microsoft JhengHei" pitchFamily="34" charset="-120"/>
+            </a:endParaRPr>
+          </a:p>
+          <a:p>
+            <a:pPr marL="0" indent="0" algn="ctr">
+              <a:buNone/>
+            </a:pPr>
+            <a:r>
+              <a:rPr lang="zh-CN" altLang="zh-TW" sz="6400" b="1" dirty="0">
+                <a:solidFill>
+                  <a:srgbClr val="000066"/>
+                </a:solidFill>
+                <a:latin typeface="Microsoft JhengHei" pitchFamily="34" charset="-120"/>
+                <a:ea typeface="Microsoft JhengHei" pitchFamily="34" charset="-120"/>
+              </a:rPr>
+              <a:t>一</a:t>
+            </a:r>
+            <a:r>
+              <a:rPr lang="zh-CN" altLang="zh-TW" sz="6400" b="1" dirty="0">
+                <a:solidFill>
+                  <a:srgbClr val="000066"/>
+                </a:solidFill>
+                <a:latin typeface="Microsoft JhengHei" pitchFamily="34" charset="-120"/>
+                <a:ea typeface="Microsoft JhengHei" pitchFamily="34" charset="-120"/>
+              </a:rPr>
+              <a:t>日安息求天福</a:t>
+            </a:r>
+          </a:p>
+        </p:txBody>
+      </p:sp>
+      <p:sp>
+        <p:nvSpPr>
+          <p:cNvPr id="3" name="TextBox 2"/>
+          <p:cNvSpPr txBox="1"/>
+          <p:nvPr/>
+        </p:nvSpPr>
+        <p:spPr>
+          <a:xfrm>
+            <a:off x="0" y="5061182"/>
+            <a:ext cx="12192000" cy="830997"/>
+          </a:xfrm>
+          <a:prstGeom prst="rect">
+            <a:avLst/>
+          </a:prstGeom>
+          <a:noFill/>
+        </p:spPr>
+        <p:txBody>
+          <a:bodyPr wrap="square" rtlCol="0">
+            <a:spAutoFit/>
+          </a:bodyPr>
+          <a:lstStyle/>
+          <a:p>
+            <a:pPr algn="ctr"/>
+            <a:r>
+              <a:rPr lang="en-US" sz="4800" b="1" dirty="0">
+                <a:solidFill>
+                  <a:srgbClr val="000066"/>
+                </a:solidFill>
+              </a:rPr>
+              <a:t>( </a:t>
+            </a:r>
+            <a:r>
+              <a:rPr lang="en-US" sz="4800" b="1" dirty="0" smtClean="0">
+                <a:solidFill>
+                  <a:srgbClr val="000066"/>
+                </a:solidFill>
+              </a:rPr>
+              <a:t>2 </a:t>
+            </a:r>
+            <a:r>
+              <a:rPr lang="en-US" sz="4800" b="1" dirty="0">
+                <a:solidFill>
+                  <a:srgbClr val="000066"/>
+                </a:solidFill>
+              </a:rPr>
+              <a:t>)</a:t>
+            </a:r>
+            <a:endParaRPr lang="vi-VN" sz="4800" b="1" dirty="0">
+              <a:solidFill>
+                <a:srgbClr val="000066"/>
+              </a:solidFill>
+            </a:endParaRPr>
+          </a:p>
+        </p:txBody>
+      </p:sp>
+    </p:spTree>
+    <p:extLst>
+      <p:ext uri="{BB962C8B-B14F-4D97-AF65-F5344CB8AC3E}">
+        <p14:creationId xmlns:p14="http://schemas.microsoft.com/office/powerpoint/2010/main" val="738703252"/>
+      </p:ext>
+    </p:extLst>
+  </p:cSld>
+  <p:clrMapOvr>
+    <a:masterClrMapping/>
+  </p:clrMapOvr>
+  <p:timing>
+    <p:tnLst>
+      <p:par>
+        <p:cTn id="1" dur="indefinite" restart="never" nodeType="tmRoot"/>
+      </p:par>
+    </p:tnLst>
+  </p:timing>
+</p:sld>
+</file>
+
+<file path=ppt/slides/slide9.xml><?xml version="1.0" encoding="utf-8"?>
+<p:sld xmlns:a="http://schemas.openxmlformats.org/drawingml/2006/main" xmlns:r="http://schemas.openxmlformats.org/officeDocument/2006/relationships" xmlns:p="http://schemas.openxmlformats.org/presentationml/2006/main">
+  <p:cSld>
+    <p:spTree>
+      <p:nvGrpSpPr>
+        <p:cNvPr id="1" name=""/>
+        <p:cNvGrpSpPr/>
+        <p:nvPr/>
+      </p:nvGrpSpPr>
+      <p:grpSpPr>
+        <a:xfrm>
+          <a:off x="0" y="0"/>
+          <a:ext cx="0" cy="0"/>
+          <a:chOff x="0" y="0"/>
+          <a:chExt cx="0" cy="0"/>
+        </a:xfrm>
+      </p:grpSpPr>
+      <p:sp>
+        <p:nvSpPr>
+          <p:cNvPr id="5" name="內容版面配置區 4"/>
+          <p:cNvSpPr>
+            <a:spLocks noGrp="1"/>
+          </p:cNvSpPr>
+          <p:nvPr>
+            <p:ph idx="1"/>
+          </p:nvPr>
+        </p:nvSpPr>
+        <p:spPr>
+          <a:xfrm>
+            <a:off x="0" y="2084851"/>
+            <a:ext cx="12192000" cy="2404863"/>
+          </a:xfrm>
+        </p:spPr>
+        <p:txBody>
+          <a:bodyPr anchor="ctr">
+            <a:normAutofit/>
+          </a:bodyPr>
+          <a:lstStyle/>
+          <a:p>
+            <a:pPr marL="0" indent="0" algn="ctr">
+              <a:buNone/>
+            </a:pPr>
+            <a:r>
+              <a:rPr lang="zh-CN" altLang="zh-TW" sz="6400" b="1" dirty="0">
+                <a:solidFill>
+                  <a:srgbClr val="000066"/>
+                </a:solidFill>
+                <a:latin typeface="Microsoft JhengHei" pitchFamily="34" charset="-120"/>
+                <a:ea typeface="Microsoft JhengHei" pitchFamily="34" charset="-120"/>
+              </a:rPr>
+              <a:t>昨晚世事既完</a:t>
+            </a:r>
+            <a:r>
+              <a:rPr lang="zh-CN" altLang="zh-TW" sz="6400" b="1" dirty="0">
+                <a:solidFill>
+                  <a:srgbClr val="000066"/>
+                </a:solidFill>
+                <a:latin typeface="Microsoft JhengHei" pitchFamily="34" charset="-120"/>
+                <a:ea typeface="Microsoft JhengHei" pitchFamily="34" charset="-120"/>
+              </a:rPr>
+              <a:t>畢</a:t>
+            </a:r>
+            <a:endParaRPr lang="en-US" altLang="zh-CN" sz="6400" b="1" dirty="0">
+              <a:solidFill>
+                <a:srgbClr val="000066"/>
+              </a:solidFill>
+              <a:latin typeface="Microsoft JhengHei" pitchFamily="34" charset="-120"/>
+              <a:ea typeface="Microsoft JhengHei" pitchFamily="34" charset="-120"/>
+            </a:endParaRPr>
+          </a:p>
+          <a:p>
+            <a:pPr marL="0" indent="0" algn="ctr">
+              <a:buNone/>
+            </a:pPr>
+            <a:r>
+              <a:rPr lang="zh-CN" altLang="zh-TW" sz="6400" b="1" dirty="0">
+                <a:solidFill>
+                  <a:srgbClr val="000066"/>
+                </a:solidFill>
+                <a:latin typeface="Microsoft JhengHei" pitchFamily="34" charset="-120"/>
+                <a:ea typeface="Microsoft JhengHei" pitchFamily="34" charset="-120"/>
+              </a:rPr>
+              <a:t>今</a:t>
+            </a:r>
+            <a:r>
+              <a:rPr lang="zh-CN" altLang="zh-TW" sz="6400" b="1" dirty="0">
+                <a:solidFill>
+                  <a:srgbClr val="000066"/>
+                </a:solidFill>
+                <a:latin typeface="Microsoft JhengHei" pitchFamily="34" charset="-120"/>
+                <a:ea typeface="Microsoft JhengHei" pitchFamily="34" charset="-120"/>
+              </a:rPr>
+              <a:t>天樂守主聖日</a:t>
+            </a:r>
+          </a:p>
+        </p:txBody>
+      </p:sp>
+      <p:sp>
+        <p:nvSpPr>
+          <p:cNvPr id="3" name="TextBox 2"/>
+          <p:cNvSpPr txBox="1"/>
+          <p:nvPr/>
+        </p:nvSpPr>
+        <p:spPr>
+          <a:xfrm>
+            <a:off x="0" y="5061182"/>
+            <a:ext cx="12192000" cy="830997"/>
+          </a:xfrm>
+          <a:prstGeom prst="rect">
+            <a:avLst/>
+          </a:prstGeom>
+          <a:noFill/>
+        </p:spPr>
+        <p:txBody>
+          <a:bodyPr wrap="square" rtlCol="0">
+            <a:spAutoFit/>
+          </a:bodyPr>
+          <a:lstStyle/>
+          <a:p>
+            <a:pPr algn="ctr"/>
+            <a:r>
+              <a:rPr lang="en-US" sz="4800" b="1" dirty="0">
+                <a:solidFill>
+                  <a:srgbClr val="000066"/>
+                </a:solidFill>
+              </a:rPr>
+              <a:t>( </a:t>
+            </a:r>
+            <a:r>
+              <a:rPr lang="en-US" sz="4800" b="1" dirty="0" smtClean="0">
+                <a:solidFill>
+                  <a:srgbClr val="000066"/>
+                </a:solidFill>
+              </a:rPr>
+              <a:t>2 </a:t>
+            </a:r>
+            <a:r>
+              <a:rPr lang="en-US" sz="4800" b="1" dirty="0">
+                <a:solidFill>
+                  <a:srgbClr val="000066"/>
+                </a:solidFill>
+              </a:rPr>
+              <a:t>)</a:t>
+            </a:r>
+            <a:endParaRPr lang="vi-VN" sz="4800" b="1" dirty="0">
+              <a:solidFill>
+                <a:srgbClr val="000066"/>
+              </a:solidFill>
+            </a:endParaRPr>
+          </a:p>
+        </p:txBody>
+      </p:sp>
+    </p:spTree>
+    <p:extLst>
+      <p:ext uri="{BB962C8B-B14F-4D97-AF65-F5344CB8AC3E}">
+        <p14:creationId xmlns:p14="http://schemas.microsoft.com/office/powerpoint/2010/main" val="1527539990"/>
       </p:ext>
     </p:extLst>
   </p:cSld>

--- a/宣道詩/(宣道詩266) 再過主日.pptx
+++ b/宣道詩/(宣道詩266) 再過主日.pptx
@@ -3959,14 +3959,14 @@
       </p:sp>
       <p:sp>
         <p:nvSpPr>
-          <p:cNvPr id="3" name="TextBox 2"/>
+          <p:cNvPr id="4" name="TextBox 3"/>
           <p:cNvSpPr txBox="1"/>
           <p:nvPr/>
         </p:nvSpPr>
         <p:spPr>
           <a:xfrm>
             <a:off x="0" y="5061182"/>
-            <a:ext cx="12192000" cy="830997"/>
+            <a:ext cx="12192000" cy="707886"/>
           </a:xfrm>
           <a:prstGeom prst="rect">
             <a:avLst/>
@@ -3981,7 +3981,7 @@
           <a:p>
             <a:pPr algn="ctr"/>
             <a:r>
-              <a:rPr lang="en-US" sz="4800" b="1" dirty="0">
+              <a:rPr lang="en-US" sz="4000" b="1" dirty="0">
                 <a:solidFill>
                   <a:srgbClr val="000066"/>
                 </a:solidFill>
@@ -3989,22 +3989,22 @@
               <a:t>( </a:t>
             </a:r>
             <a:r>
-              <a:rPr lang="en-US" sz="4800" b="1" dirty="0" smtClean="0">
+              <a:rPr lang="en-US" sz="4000" b="1" dirty="0" smtClean="0">
                 <a:solidFill>
                   <a:srgbClr val="000066"/>
                 </a:solidFill>
               </a:rPr>
-              <a:t>3 </a:t>
-            </a:r>
-            <a:r>
-              <a:rPr lang="en-US" sz="4800" b="1" dirty="0">
+              <a:t>3 / 3 </a:t>
+            </a:r>
+            <a:r>
+              <a:rPr lang="en-US" sz="4000" b="1" dirty="0">
                 <a:solidFill>
                   <a:srgbClr val="000066"/>
                 </a:solidFill>
               </a:rPr>
               <a:t>)</a:t>
             </a:r>
-            <a:endParaRPr lang="vi-VN" sz="4800" b="1" dirty="0">
+            <a:endParaRPr lang="vi-VN" sz="4000" b="1" dirty="0">
               <a:solidFill>
                 <a:srgbClr val="000066"/>
               </a:solidFill>
@@ -4082,17 +4082,7 @@
                 <a:latin typeface="Microsoft JhengHei" pitchFamily="34" charset="-120"/>
                 <a:ea typeface="Microsoft JhengHei" pitchFamily="34" charset="-120"/>
               </a:rPr>
-              <a:t>聚集禮拜當專</a:t>
-            </a:r>
-            <a:r>
-              <a:rPr lang="zh-CN" altLang="zh-TW" sz="6400" b="1" dirty="0">
-                <a:solidFill>
-                  <a:srgbClr val="000066"/>
-                </a:solidFill>
-                <a:latin typeface="Microsoft JhengHei" pitchFamily="34" charset="-120"/>
-                <a:ea typeface="Microsoft JhengHei" pitchFamily="34" charset="-120"/>
-              </a:rPr>
-              <a:t>心</a:t>
+              <a:t>聚集禮拜當專心</a:t>
             </a:r>
             <a:endParaRPr lang="en-US" altLang="zh-CN" sz="6400" b="1" dirty="0">
               <a:solidFill>
@@ -4114,17 +4104,7 @@
                 <a:latin typeface="Microsoft JhengHei" pitchFamily="34" charset="-120"/>
                 <a:ea typeface="Microsoft JhengHei" pitchFamily="34" charset="-120"/>
               </a:rPr>
-              <a:t>同</a:t>
-            </a:r>
-            <a:r>
-              <a:rPr lang="zh-CN" altLang="zh-TW" sz="6400" b="1" dirty="0">
-                <a:solidFill>
-                  <a:srgbClr val="000066"/>
-                </a:solidFill>
-                <a:latin typeface="Microsoft JhengHei" pitchFamily="34" charset="-120"/>
-                <a:ea typeface="Microsoft JhengHei" pitchFamily="34" charset="-120"/>
-              </a:rPr>
-              <a:t>求聖靈大降臨</a:t>
+              <a:t>同求聖靈大降臨</a:t>
             </a:r>
             <a:endParaRPr lang="en-US" altLang="zh-CN" sz="6400" b="1" dirty="0">
               <a:solidFill>
@@ -4138,14 +4118,14 @@
       </p:sp>
       <p:sp>
         <p:nvSpPr>
-          <p:cNvPr id="3" name="TextBox 2"/>
+          <p:cNvPr id="4" name="TextBox 3"/>
           <p:cNvSpPr txBox="1"/>
           <p:nvPr/>
         </p:nvSpPr>
         <p:spPr>
           <a:xfrm>
             <a:off x="0" y="5061182"/>
-            <a:ext cx="12192000" cy="830997"/>
+            <a:ext cx="12192000" cy="707886"/>
           </a:xfrm>
           <a:prstGeom prst="rect">
             <a:avLst/>
@@ -4160,7 +4140,7 @@
           <a:p>
             <a:pPr algn="ctr"/>
             <a:r>
-              <a:rPr lang="en-US" sz="4800" b="1" dirty="0">
+              <a:rPr lang="en-US" sz="4000" b="1" dirty="0">
                 <a:solidFill>
                   <a:srgbClr val="000066"/>
                 </a:solidFill>
@@ -4168,22 +4148,22 @@
               <a:t>( </a:t>
             </a:r>
             <a:r>
-              <a:rPr lang="en-US" sz="4800" b="1" dirty="0" smtClean="0">
+              <a:rPr lang="en-US" sz="4000" b="1" dirty="0" smtClean="0">
                 <a:solidFill>
                   <a:srgbClr val="000066"/>
                 </a:solidFill>
               </a:rPr>
-              <a:t>3 </a:t>
-            </a:r>
-            <a:r>
-              <a:rPr lang="en-US" sz="4800" b="1" dirty="0">
+              <a:t>3 / 3 </a:t>
+            </a:r>
+            <a:r>
+              <a:rPr lang="en-US" sz="4000" b="1" dirty="0">
                 <a:solidFill>
                   <a:srgbClr val="000066"/>
                 </a:solidFill>
               </a:rPr>
               <a:t>)</a:t>
             </a:r>
-            <a:endParaRPr lang="vi-VN" sz="4800" b="1" dirty="0">
+            <a:endParaRPr lang="vi-VN" sz="4000" b="1" dirty="0">
               <a:solidFill>
                 <a:srgbClr val="000066"/>
               </a:solidFill>
@@ -4261,17 +4241,7 @@
                 <a:latin typeface="Microsoft JhengHei" pitchFamily="34" charset="-120"/>
                 <a:ea typeface="Microsoft JhengHei" pitchFamily="34" charset="-120"/>
               </a:rPr>
-              <a:t>生前樂意守主</a:t>
-            </a:r>
-            <a:r>
-              <a:rPr lang="zh-CN" altLang="zh-TW" sz="6400" b="1" dirty="0">
-                <a:solidFill>
-                  <a:srgbClr val="000066"/>
-                </a:solidFill>
-                <a:latin typeface="Microsoft JhengHei" pitchFamily="34" charset="-120"/>
-                <a:ea typeface="Microsoft JhengHei" pitchFamily="34" charset="-120"/>
-              </a:rPr>
-              <a:t>日</a:t>
+              <a:t>生前樂意守主日</a:t>
             </a:r>
             <a:endParaRPr lang="en-US" altLang="zh-CN" sz="6400" b="1" dirty="0">
               <a:solidFill>
@@ -4293,31 +4263,21 @@
                 <a:latin typeface="Microsoft JhengHei" pitchFamily="34" charset="-120"/>
                 <a:ea typeface="Microsoft JhengHei" pitchFamily="34" charset="-120"/>
               </a:rPr>
-              <a:t>死</a:t>
-            </a:r>
-            <a:r>
-              <a:rPr lang="zh-CN" altLang="zh-TW" sz="6400" b="1" dirty="0">
-                <a:solidFill>
-                  <a:srgbClr val="000066"/>
-                </a:solidFill>
-                <a:latin typeface="Microsoft JhengHei" pitchFamily="34" charset="-120"/>
-                <a:ea typeface="Microsoft JhengHei" pitchFamily="34" charset="-120"/>
-              </a:rPr>
-              <a:t>後在天樂無極</a:t>
-            </a:r>
-          </a:p>
-        </p:txBody>
-      </p:sp>
-      <p:sp>
-        <p:nvSpPr>
-          <p:cNvPr id="3" name="TextBox 2"/>
+              <a:t>死後在天樂無極</a:t>
+            </a:r>
+          </a:p>
+        </p:txBody>
+      </p:sp>
+      <p:sp>
+        <p:nvSpPr>
+          <p:cNvPr id="4" name="TextBox 3"/>
           <p:cNvSpPr txBox="1"/>
           <p:nvPr/>
         </p:nvSpPr>
         <p:spPr>
           <a:xfrm>
             <a:off x="0" y="5061182"/>
-            <a:ext cx="12192000" cy="830997"/>
+            <a:ext cx="12192000" cy="707886"/>
           </a:xfrm>
           <a:prstGeom prst="rect">
             <a:avLst/>
@@ -4332,7 +4292,7 @@
           <a:p>
             <a:pPr algn="ctr"/>
             <a:r>
-              <a:rPr lang="en-US" sz="4800" b="1" dirty="0">
+              <a:rPr lang="en-US" sz="4000" b="1" dirty="0">
                 <a:solidFill>
                   <a:srgbClr val="000066"/>
                 </a:solidFill>
@@ -4340,22 +4300,22 @@
               <a:t>( </a:t>
             </a:r>
             <a:r>
-              <a:rPr lang="en-US" sz="4800" b="1" dirty="0" smtClean="0">
+              <a:rPr lang="en-US" sz="4000" b="1" dirty="0" smtClean="0">
                 <a:solidFill>
                   <a:srgbClr val="000066"/>
                 </a:solidFill>
               </a:rPr>
-              <a:t>3 </a:t>
-            </a:r>
-            <a:r>
-              <a:rPr lang="en-US" sz="4800" b="1" dirty="0">
+              <a:t>3 / 3 </a:t>
+            </a:r>
+            <a:r>
+              <a:rPr lang="en-US" sz="4000" b="1" dirty="0">
                 <a:solidFill>
                   <a:srgbClr val="000066"/>
                 </a:solidFill>
               </a:rPr>
               <a:t>)</a:t>
             </a:r>
-            <a:endParaRPr lang="vi-VN" sz="4800" b="1" dirty="0">
+            <a:endParaRPr lang="vi-VN" sz="4000" b="1" dirty="0">
               <a:solidFill>
                 <a:srgbClr val="000066"/>
               </a:solidFill>
@@ -4433,17 +4393,7 @@
                 <a:latin typeface="Microsoft JhengHei" pitchFamily="34" charset="-120"/>
                 <a:ea typeface="Microsoft JhengHei" pitchFamily="34" charset="-120"/>
               </a:rPr>
-              <a:t>靠主心安無掛</a:t>
-            </a:r>
-            <a:r>
-              <a:rPr lang="zh-CN" altLang="zh-TW" sz="6400" b="1" dirty="0">
-                <a:solidFill>
-                  <a:srgbClr val="000066"/>
-                </a:solidFill>
-                <a:latin typeface="Microsoft JhengHei" pitchFamily="34" charset="-120"/>
-                <a:ea typeface="Microsoft JhengHei" pitchFamily="34" charset="-120"/>
-              </a:rPr>
-              <a:t>慮</a:t>
+              <a:t>靠主心安無掛慮</a:t>
             </a:r>
             <a:endParaRPr lang="en-US" altLang="zh-CN" sz="6400" b="1" dirty="0">
               <a:solidFill>
@@ -4465,31 +4415,21 @@
                 <a:latin typeface="Microsoft JhengHei" pitchFamily="34" charset="-120"/>
                 <a:ea typeface="Microsoft JhengHei" pitchFamily="34" charset="-120"/>
               </a:rPr>
-              <a:t>能</a:t>
-            </a:r>
-            <a:r>
-              <a:rPr lang="zh-CN" altLang="zh-TW" sz="6400" b="1" dirty="0">
-                <a:solidFill>
-                  <a:srgbClr val="000066"/>
-                </a:solidFill>
-                <a:latin typeface="Microsoft JhengHei" pitchFamily="34" charset="-120"/>
-                <a:ea typeface="Microsoft JhengHei" pitchFamily="34" charset="-120"/>
-              </a:rPr>
-              <a:t>到明宮有憑據</a:t>
-            </a:r>
-          </a:p>
-        </p:txBody>
-      </p:sp>
-      <p:sp>
-        <p:nvSpPr>
-          <p:cNvPr id="3" name="TextBox 2"/>
+              <a:t>能到明宮有憑據</a:t>
+            </a:r>
+          </a:p>
+        </p:txBody>
+      </p:sp>
+      <p:sp>
+        <p:nvSpPr>
+          <p:cNvPr id="4" name="TextBox 3"/>
           <p:cNvSpPr txBox="1"/>
           <p:nvPr/>
         </p:nvSpPr>
         <p:spPr>
           <a:xfrm>
             <a:off x="0" y="5061182"/>
-            <a:ext cx="12192000" cy="830997"/>
+            <a:ext cx="12192000" cy="707886"/>
           </a:xfrm>
           <a:prstGeom prst="rect">
             <a:avLst/>
@@ -4504,7 +4444,7 @@
           <a:p>
             <a:pPr algn="ctr"/>
             <a:r>
-              <a:rPr lang="en-US" sz="4800" b="1" dirty="0">
+              <a:rPr lang="en-US" sz="4000" b="1" dirty="0">
                 <a:solidFill>
                   <a:srgbClr val="000066"/>
                 </a:solidFill>
@@ -4512,22 +4452,22 @@
               <a:t>( </a:t>
             </a:r>
             <a:r>
-              <a:rPr lang="en-US" sz="4800" b="1" dirty="0" smtClean="0">
+              <a:rPr lang="en-US" sz="4000" b="1" dirty="0" smtClean="0">
                 <a:solidFill>
                   <a:srgbClr val="000066"/>
                 </a:solidFill>
               </a:rPr>
-              <a:t>3 </a:t>
-            </a:r>
-            <a:r>
-              <a:rPr lang="en-US" sz="4800" b="1" dirty="0">
+              <a:t>3 / 3 </a:t>
+            </a:r>
+            <a:r>
+              <a:rPr lang="en-US" sz="4000" b="1" dirty="0">
                 <a:solidFill>
                   <a:srgbClr val="000066"/>
                 </a:solidFill>
               </a:rPr>
               <a:t>)</a:t>
             </a:r>
-            <a:endParaRPr lang="vi-VN" sz="4800" b="1" dirty="0">
+            <a:endParaRPr lang="vi-VN" sz="4000" b="1" dirty="0">
               <a:solidFill>
                 <a:srgbClr val="000066"/>
               </a:solidFill>
@@ -4654,7 +4594,7 @@
         <p:spPr>
           <a:xfrm>
             <a:off x="0" y="5061182"/>
-            <a:ext cx="12192000" cy="830997"/>
+            <a:ext cx="12192000" cy="707886"/>
           </a:xfrm>
           <a:prstGeom prst="rect">
             <a:avLst/>
@@ -4669,14 +4609,30 @@
           <a:p>
             <a:pPr algn="ctr"/>
             <a:r>
-              <a:rPr lang="en-US" sz="4800" b="1" dirty="0">
+              <a:rPr lang="en-US" sz="4000" b="1" dirty="0">
                 <a:solidFill>
                   <a:srgbClr val="000066"/>
                 </a:solidFill>
               </a:rPr>
-              <a:t>( 1 )</a:t>
-            </a:r>
-            <a:endParaRPr lang="vi-VN" sz="4800" b="1" dirty="0">
+              <a:t>( </a:t>
+            </a:r>
+            <a:r>
+              <a:rPr lang="en-US" sz="4000" b="1" dirty="0" smtClean="0">
+                <a:solidFill>
+                  <a:srgbClr val="000066"/>
+                </a:solidFill>
+              </a:rPr>
+              <a:t>1 / 3 </a:t>
+            </a:r>
+            <a:r>
+              <a:rPr lang="en-US" sz="4000" b="1" dirty="0">
+                <a:solidFill>
+                  <a:srgbClr val="000066"/>
+                </a:solidFill>
+              </a:rPr>
+              <a:t>)</a:t>
+            </a:r>
+            <a:endParaRPr lang="vi-VN" sz="4000" b="1" dirty="0">
               <a:solidFill>
                 <a:srgbClr val="000066"/>
               </a:solidFill>
@@ -4800,14 +4756,14 @@
       </p:sp>
       <p:sp>
         <p:nvSpPr>
-          <p:cNvPr id="3" name="TextBox 2"/>
+          <p:cNvPr id="4" name="TextBox 3"/>
           <p:cNvSpPr txBox="1"/>
           <p:nvPr/>
         </p:nvSpPr>
         <p:spPr>
           <a:xfrm>
             <a:off x="0" y="5061182"/>
-            <a:ext cx="12192000" cy="830997"/>
+            <a:ext cx="12192000" cy="707886"/>
           </a:xfrm>
           <a:prstGeom prst="rect">
             <a:avLst/>
@@ -4822,14 +4778,30 @@
           <a:p>
             <a:pPr algn="ctr"/>
             <a:r>
-              <a:rPr lang="en-US" sz="4800" b="1" dirty="0">
+              <a:rPr lang="en-US" sz="4000" b="1" dirty="0">
                 <a:solidFill>
                   <a:srgbClr val="000066"/>
                 </a:solidFill>
               </a:rPr>
-              <a:t>( 1 )</a:t>
-            </a:r>
-            <a:endParaRPr lang="vi-VN" sz="4800" b="1" dirty="0">
+              <a:t>( </a:t>
+            </a:r>
+            <a:r>
+              <a:rPr lang="en-US" sz="4000" b="1" dirty="0" smtClean="0">
+                <a:solidFill>
+                  <a:srgbClr val="000066"/>
+                </a:solidFill>
+              </a:rPr>
+              <a:t>1 / 3 </a:t>
+            </a:r>
+            <a:r>
+              <a:rPr lang="en-US" sz="4000" b="1" dirty="0">
+                <a:solidFill>
+                  <a:srgbClr val="000066"/>
+                </a:solidFill>
+              </a:rPr>
+              <a:t>)</a:t>
+            </a:r>
+            <a:endParaRPr lang="vi-VN" sz="4000" b="1" dirty="0">
               <a:solidFill>
                 <a:srgbClr val="000066"/>
               </a:solidFill>
@@ -4907,17 +4879,7 @@
                 <a:latin typeface="Microsoft JhengHei" pitchFamily="34" charset="-120"/>
                 <a:ea typeface="Microsoft JhengHei" pitchFamily="34" charset="-120"/>
               </a:rPr>
-              <a:t>今日紀念主復</a:t>
-            </a:r>
-            <a:r>
-              <a:rPr lang="zh-CN" altLang="zh-TW" sz="6400" b="1" dirty="0">
-                <a:solidFill>
-                  <a:srgbClr val="000066"/>
-                </a:solidFill>
-                <a:latin typeface="Microsoft JhengHei" pitchFamily="34" charset="-120"/>
-                <a:ea typeface="Microsoft JhengHei" pitchFamily="34" charset="-120"/>
-              </a:rPr>
-              <a:t>活</a:t>
+              <a:t>今日紀念主復活</a:t>
             </a:r>
             <a:endParaRPr lang="en-US" altLang="zh-CN" sz="6400" b="1" dirty="0">
               <a:solidFill>
@@ -4939,31 +4901,21 @@
                 <a:latin typeface="Microsoft JhengHei" pitchFamily="34" charset="-120"/>
                 <a:ea typeface="Microsoft JhengHei" pitchFamily="34" charset="-120"/>
               </a:rPr>
-              <a:t>福</a:t>
-            </a:r>
-            <a:r>
-              <a:rPr lang="zh-CN" altLang="zh-TW" sz="6400" b="1" dirty="0">
-                <a:solidFill>
-                  <a:srgbClr val="000066"/>
-                </a:solidFill>
-                <a:latin typeface="Microsoft JhengHei" pitchFamily="34" charset="-120"/>
-                <a:ea typeface="Microsoft JhengHei" pitchFamily="34" charset="-120"/>
-              </a:rPr>
-              <a:t>音真理傳廣闊</a:t>
-            </a:r>
-          </a:p>
-        </p:txBody>
-      </p:sp>
-      <p:sp>
-        <p:nvSpPr>
-          <p:cNvPr id="3" name="TextBox 2"/>
+              <a:t>福音真理傳廣闊</a:t>
+            </a:r>
+          </a:p>
+        </p:txBody>
+      </p:sp>
+      <p:sp>
+        <p:nvSpPr>
+          <p:cNvPr id="4" name="TextBox 3"/>
           <p:cNvSpPr txBox="1"/>
           <p:nvPr/>
         </p:nvSpPr>
         <p:spPr>
           <a:xfrm>
             <a:off x="0" y="5061182"/>
-            <a:ext cx="12192000" cy="830997"/>
+            <a:ext cx="12192000" cy="707886"/>
           </a:xfrm>
           <a:prstGeom prst="rect">
             <a:avLst/>
@@ -4978,14 +4930,30 @@
           <a:p>
             <a:pPr algn="ctr"/>
             <a:r>
-              <a:rPr lang="en-US" sz="4800" b="1" dirty="0">
+              <a:rPr lang="en-US" sz="4000" b="1" dirty="0">
                 <a:solidFill>
                   <a:srgbClr val="000066"/>
                 </a:solidFill>
               </a:rPr>
-              <a:t>( 1 )</a:t>
-            </a:r>
-            <a:endParaRPr lang="vi-VN" sz="4800" b="1" dirty="0">
+              <a:t>( </a:t>
+            </a:r>
+            <a:r>
+              <a:rPr lang="en-US" sz="4000" b="1" dirty="0" smtClean="0">
+                <a:solidFill>
+                  <a:srgbClr val="000066"/>
+                </a:solidFill>
+              </a:rPr>
+              <a:t>1 / 3 </a:t>
+            </a:r>
+            <a:r>
+              <a:rPr lang="en-US" sz="4000" b="1" dirty="0">
+                <a:solidFill>
+                  <a:srgbClr val="000066"/>
+                </a:solidFill>
+              </a:rPr>
+              <a:t>)</a:t>
+            </a:r>
+            <a:endParaRPr lang="vi-VN" sz="4000" b="1" dirty="0">
               <a:solidFill>
                 <a:srgbClr val="000066"/>
               </a:solidFill>
@@ -5063,17 +5031,7 @@
                 <a:latin typeface="Microsoft JhengHei" pitchFamily="34" charset="-120"/>
                 <a:ea typeface="Microsoft JhengHei" pitchFamily="34" charset="-120"/>
               </a:rPr>
-              <a:t>欣逢禮拜樂難</a:t>
-            </a:r>
-            <a:r>
-              <a:rPr lang="zh-CN" altLang="zh-TW" sz="6400" b="1" dirty="0">
-                <a:solidFill>
-                  <a:srgbClr val="000066"/>
-                </a:solidFill>
-                <a:latin typeface="Microsoft JhengHei" pitchFamily="34" charset="-120"/>
-                <a:ea typeface="Microsoft JhengHei" pitchFamily="34" charset="-120"/>
-              </a:rPr>
-              <a:t>說</a:t>
+              <a:t>欣逢禮拜樂難說</a:t>
             </a:r>
             <a:endParaRPr lang="en-US" altLang="zh-CN" sz="6400" b="1" dirty="0">
               <a:solidFill>
@@ -5095,31 +5053,21 @@
                 <a:latin typeface="Microsoft JhengHei" pitchFamily="34" charset="-120"/>
                 <a:ea typeface="Microsoft JhengHei" pitchFamily="34" charset="-120"/>
               </a:rPr>
-              <a:t>身</a:t>
-            </a:r>
-            <a:r>
-              <a:rPr lang="zh-CN" altLang="zh-TW" sz="6400" b="1" dirty="0">
-                <a:solidFill>
-                  <a:srgbClr val="000066"/>
-                </a:solidFill>
-                <a:latin typeface="Microsoft JhengHei" pitchFamily="34" charset="-120"/>
-                <a:ea typeface="Microsoft JhengHei" pitchFamily="34" charset="-120"/>
-              </a:rPr>
-              <a:t>心安息滿快樂</a:t>
-            </a:r>
-          </a:p>
-        </p:txBody>
-      </p:sp>
-      <p:sp>
-        <p:nvSpPr>
-          <p:cNvPr id="3" name="TextBox 2"/>
+              <a:t>身心安息滿快樂</a:t>
+            </a:r>
+          </a:p>
+        </p:txBody>
+      </p:sp>
+      <p:sp>
+        <p:nvSpPr>
+          <p:cNvPr id="4" name="TextBox 3"/>
           <p:cNvSpPr txBox="1"/>
           <p:nvPr/>
         </p:nvSpPr>
         <p:spPr>
           <a:xfrm>
             <a:off x="0" y="5061182"/>
-            <a:ext cx="12192000" cy="830997"/>
+            <a:ext cx="12192000" cy="707886"/>
           </a:xfrm>
           <a:prstGeom prst="rect">
             <a:avLst/>
@@ -5134,14 +5082,30 @@
           <a:p>
             <a:pPr algn="ctr"/>
             <a:r>
-              <a:rPr lang="en-US" sz="4800" b="1" dirty="0">
+              <a:rPr lang="en-US" sz="4000" b="1" dirty="0">
                 <a:solidFill>
                   <a:srgbClr val="000066"/>
                 </a:solidFill>
               </a:rPr>
-              <a:t>( 1 )</a:t>
-            </a:r>
-            <a:endParaRPr lang="vi-VN" sz="4800" b="1" dirty="0">
+              <a:t>( </a:t>
+            </a:r>
+            <a:r>
+              <a:rPr lang="en-US" sz="4000" b="1" dirty="0" smtClean="0">
+                <a:solidFill>
+                  <a:srgbClr val="000066"/>
+                </a:solidFill>
+              </a:rPr>
+              <a:t>1 / 3 </a:t>
+            </a:r>
+            <a:r>
+              <a:rPr lang="en-US" sz="4000" b="1" dirty="0">
+                <a:solidFill>
+                  <a:srgbClr val="000066"/>
+                </a:solidFill>
+              </a:rPr>
+              <a:t>)</a:t>
+            </a:r>
+            <a:endParaRPr lang="vi-VN" sz="4000" b="1" dirty="0">
               <a:solidFill>
                 <a:srgbClr val="000066"/>
               </a:solidFill>
@@ -5248,14 +5212,14 @@
       </p:sp>
       <p:sp>
         <p:nvSpPr>
-          <p:cNvPr id="3" name="TextBox 2"/>
+          <p:cNvPr id="4" name="TextBox 3"/>
           <p:cNvSpPr txBox="1"/>
           <p:nvPr/>
         </p:nvSpPr>
         <p:spPr>
           <a:xfrm>
             <a:off x="0" y="5061182"/>
-            <a:ext cx="12192000" cy="830997"/>
+            <a:ext cx="12192000" cy="707886"/>
           </a:xfrm>
           <a:prstGeom prst="rect">
             <a:avLst/>
@@ -5270,7 +5234,7 @@
           <a:p>
             <a:pPr algn="ctr"/>
             <a:r>
-              <a:rPr lang="en-US" sz="4800" b="1" dirty="0">
+              <a:rPr lang="en-US" sz="4000" b="1" dirty="0">
                 <a:solidFill>
                   <a:srgbClr val="000066"/>
                 </a:solidFill>
@@ -5278,22 +5242,22 @@
               <a:t>( </a:t>
             </a:r>
             <a:r>
-              <a:rPr lang="en-US" sz="4800" b="1" dirty="0" smtClean="0">
+              <a:rPr lang="en-US" sz="4000" b="1" dirty="0" smtClean="0">
                 <a:solidFill>
                   <a:srgbClr val="000066"/>
                 </a:solidFill>
               </a:rPr>
-              <a:t>2 </a:t>
-            </a:r>
-            <a:r>
-              <a:rPr lang="en-US" sz="4800" b="1" dirty="0">
+              <a:t>2 / 3 </a:t>
+            </a:r>
+            <a:r>
+              <a:rPr lang="en-US" sz="4000" b="1" dirty="0">
                 <a:solidFill>
                   <a:srgbClr val="000066"/>
                 </a:solidFill>
               </a:rPr>
               <a:t>)</a:t>
             </a:r>
-            <a:endParaRPr lang="vi-VN" sz="4800" b="1" dirty="0">
+            <a:endParaRPr lang="vi-VN" sz="4000" b="1" dirty="0">
               <a:solidFill>
                 <a:srgbClr val="000066"/>
               </a:solidFill>
@@ -5371,17 +5335,7 @@
                 <a:latin typeface="Microsoft JhengHei" pitchFamily="34" charset="-120"/>
                 <a:ea typeface="Microsoft JhengHei" pitchFamily="34" charset="-120"/>
               </a:rPr>
-              <a:t>罪人蒙恩日日</a:t>
-            </a:r>
-            <a:r>
-              <a:rPr lang="zh-CN" altLang="zh-TW" sz="6400" b="1" dirty="0">
-                <a:solidFill>
-                  <a:srgbClr val="000066"/>
-                </a:solidFill>
-                <a:latin typeface="Microsoft JhengHei" pitchFamily="34" charset="-120"/>
-                <a:ea typeface="Microsoft JhengHei" pitchFamily="34" charset="-120"/>
-              </a:rPr>
-              <a:t>新</a:t>
+              <a:t>罪人蒙恩日日新</a:t>
             </a:r>
             <a:endParaRPr lang="en-US" altLang="zh-CN" sz="6400" b="1" dirty="0">
               <a:solidFill>
@@ -5403,17 +5357,7 @@
                 <a:latin typeface="Microsoft JhengHei" pitchFamily="34" charset="-120"/>
                 <a:ea typeface="Microsoft JhengHei" pitchFamily="34" charset="-120"/>
               </a:rPr>
-              <a:t>甘</a:t>
-            </a:r>
-            <a:r>
-              <a:rPr lang="zh-CN" altLang="zh-TW" sz="6400" b="1" dirty="0">
-                <a:solidFill>
-                  <a:srgbClr val="000066"/>
-                </a:solidFill>
-                <a:latin typeface="Microsoft JhengHei" pitchFamily="34" charset="-120"/>
-                <a:ea typeface="Microsoft JhengHei" pitchFamily="34" charset="-120"/>
-              </a:rPr>
-              <a:t>心樂意獻全身</a:t>
+              <a:t>甘心樂意獻全身</a:t>
             </a:r>
             <a:endParaRPr lang="en-US" altLang="zh-CN" sz="6400" b="1" dirty="0">
               <a:solidFill>
@@ -5427,14 +5371,14 @@
       </p:sp>
       <p:sp>
         <p:nvSpPr>
-          <p:cNvPr id="3" name="TextBox 2"/>
+          <p:cNvPr id="4" name="TextBox 3"/>
           <p:cNvSpPr txBox="1"/>
           <p:nvPr/>
         </p:nvSpPr>
         <p:spPr>
           <a:xfrm>
             <a:off x="0" y="5061182"/>
-            <a:ext cx="12192000" cy="830997"/>
+            <a:ext cx="12192000" cy="707886"/>
           </a:xfrm>
           <a:prstGeom prst="rect">
             <a:avLst/>
@@ -5449,7 +5393,7 @@
           <a:p>
             <a:pPr algn="ctr"/>
             <a:r>
-              <a:rPr lang="en-US" sz="4800" b="1" dirty="0">
+              <a:rPr lang="en-US" sz="4000" b="1" dirty="0">
                 <a:solidFill>
                   <a:srgbClr val="000066"/>
                 </a:solidFill>
@@ -5457,22 +5401,22 @@
               <a:t>( </a:t>
             </a:r>
             <a:r>
-              <a:rPr lang="en-US" sz="4800" b="1" dirty="0" smtClean="0">
+              <a:rPr lang="en-US" sz="4000" b="1" dirty="0" smtClean="0">
                 <a:solidFill>
                   <a:srgbClr val="000066"/>
                 </a:solidFill>
               </a:rPr>
-              <a:t>2 </a:t>
-            </a:r>
-            <a:r>
-              <a:rPr lang="en-US" sz="4800" b="1" dirty="0">
+              <a:t>2 / 3 </a:t>
+            </a:r>
+            <a:r>
+              <a:rPr lang="en-US" sz="4000" b="1" dirty="0">
                 <a:solidFill>
                   <a:srgbClr val="000066"/>
                 </a:solidFill>
               </a:rPr>
               <a:t>)</a:t>
             </a:r>
-            <a:endParaRPr lang="vi-VN" sz="4800" b="1" dirty="0">
+            <a:endParaRPr lang="vi-VN" sz="4000" b="1" dirty="0">
               <a:solidFill>
                 <a:srgbClr val="000066"/>
               </a:solidFill>
@@ -5570,17 +5514,7 @@
                 <a:latin typeface="Microsoft JhengHei" pitchFamily="34" charset="-120"/>
                 <a:ea typeface="Microsoft JhengHei" pitchFamily="34" charset="-120"/>
               </a:rPr>
-              <a:t>勞碌為口</a:t>
-            </a:r>
-            <a:r>
-              <a:rPr lang="zh-CN" altLang="zh-TW" sz="6400" b="1" dirty="0">
-                <a:solidFill>
-                  <a:srgbClr val="000066"/>
-                </a:solidFill>
-                <a:latin typeface="Microsoft JhengHei" pitchFamily="34" charset="-120"/>
-                <a:ea typeface="Microsoft JhengHei" pitchFamily="34" charset="-120"/>
-              </a:rPr>
-              <a:t>腹</a:t>
+              <a:t>勞碌為口腹</a:t>
             </a:r>
             <a:endParaRPr lang="en-US" altLang="zh-CN" sz="6400" b="1" dirty="0">
               <a:solidFill>
@@ -5602,31 +5536,21 @@
                 <a:latin typeface="Microsoft JhengHei" pitchFamily="34" charset="-120"/>
                 <a:ea typeface="Microsoft JhengHei" pitchFamily="34" charset="-120"/>
               </a:rPr>
-              <a:t>一</a:t>
-            </a:r>
-            <a:r>
-              <a:rPr lang="zh-CN" altLang="zh-TW" sz="6400" b="1" dirty="0">
-                <a:solidFill>
-                  <a:srgbClr val="000066"/>
-                </a:solidFill>
-                <a:latin typeface="Microsoft JhengHei" pitchFamily="34" charset="-120"/>
-                <a:ea typeface="Microsoft JhengHei" pitchFamily="34" charset="-120"/>
-              </a:rPr>
-              <a:t>日安息求天福</a:t>
-            </a:r>
-          </a:p>
-        </p:txBody>
-      </p:sp>
-      <p:sp>
-        <p:nvSpPr>
-          <p:cNvPr id="3" name="TextBox 2"/>
+              <a:t>一日安息求天福</a:t>
+            </a:r>
+          </a:p>
+        </p:txBody>
+      </p:sp>
+      <p:sp>
+        <p:nvSpPr>
+          <p:cNvPr id="4" name="TextBox 3"/>
           <p:cNvSpPr txBox="1"/>
           <p:nvPr/>
         </p:nvSpPr>
         <p:spPr>
           <a:xfrm>
             <a:off x="0" y="5061182"/>
-            <a:ext cx="12192000" cy="830997"/>
+            <a:ext cx="12192000" cy="707886"/>
           </a:xfrm>
           <a:prstGeom prst="rect">
             <a:avLst/>
@@ -5641,7 +5565,7 @@
           <a:p>
             <a:pPr algn="ctr"/>
             <a:r>
-              <a:rPr lang="en-US" sz="4800" b="1" dirty="0">
+              <a:rPr lang="en-US" sz="4000" b="1" dirty="0">
                 <a:solidFill>
                   <a:srgbClr val="000066"/>
                 </a:solidFill>
@@ -5649,22 +5573,22 @@
               <a:t>( </a:t>
             </a:r>
             <a:r>
-              <a:rPr lang="en-US" sz="4800" b="1" dirty="0" smtClean="0">
+              <a:rPr lang="en-US" sz="4000" b="1" dirty="0" smtClean="0">
                 <a:solidFill>
                   <a:srgbClr val="000066"/>
                 </a:solidFill>
               </a:rPr>
-              <a:t>2 </a:t>
-            </a:r>
-            <a:r>
-              <a:rPr lang="en-US" sz="4800" b="1" dirty="0">
+              <a:t>2 / 3 </a:t>
+            </a:r>
+            <a:r>
+              <a:rPr lang="en-US" sz="4000" b="1" dirty="0">
                 <a:solidFill>
                   <a:srgbClr val="000066"/>
                 </a:solidFill>
               </a:rPr>
               <a:t>)</a:t>
             </a:r>
-            <a:endParaRPr lang="vi-VN" sz="4800" b="1" dirty="0">
+            <a:endParaRPr lang="vi-VN" sz="4000" b="1" dirty="0">
               <a:solidFill>
                 <a:srgbClr val="000066"/>
               </a:solidFill>
@@ -5742,17 +5666,7 @@
                 <a:latin typeface="Microsoft JhengHei" pitchFamily="34" charset="-120"/>
                 <a:ea typeface="Microsoft JhengHei" pitchFamily="34" charset="-120"/>
               </a:rPr>
-              <a:t>昨晚世事既完</a:t>
-            </a:r>
-            <a:r>
-              <a:rPr lang="zh-CN" altLang="zh-TW" sz="6400" b="1" dirty="0">
-                <a:solidFill>
-                  <a:srgbClr val="000066"/>
-                </a:solidFill>
-                <a:latin typeface="Microsoft JhengHei" pitchFamily="34" charset="-120"/>
-                <a:ea typeface="Microsoft JhengHei" pitchFamily="34" charset="-120"/>
-              </a:rPr>
-              <a:t>畢</a:t>
+              <a:t>昨晚世事既完畢</a:t>
             </a:r>
             <a:endParaRPr lang="en-US" altLang="zh-CN" sz="6400" b="1" dirty="0">
               <a:solidFill>
@@ -5774,31 +5688,21 @@
                 <a:latin typeface="Microsoft JhengHei" pitchFamily="34" charset="-120"/>
                 <a:ea typeface="Microsoft JhengHei" pitchFamily="34" charset="-120"/>
               </a:rPr>
-              <a:t>今</a:t>
-            </a:r>
-            <a:r>
-              <a:rPr lang="zh-CN" altLang="zh-TW" sz="6400" b="1" dirty="0">
-                <a:solidFill>
-                  <a:srgbClr val="000066"/>
-                </a:solidFill>
-                <a:latin typeface="Microsoft JhengHei" pitchFamily="34" charset="-120"/>
-                <a:ea typeface="Microsoft JhengHei" pitchFamily="34" charset="-120"/>
-              </a:rPr>
-              <a:t>天樂守主聖日</a:t>
-            </a:r>
-          </a:p>
-        </p:txBody>
-      </p:sp>
-      <p:sp>
-        <p:nvSpPr>
-          <p:cNvPr id="3" name="TextBox 2"/>
+              <a:t>今天樂守主聖日</a:t>
+            </a:r>
+          </a:p>
+        </p:txBody>
+      </p:sp>
+      <p:sp>
+        <p:nvSpPr>
+          <p:cNvPr id="4" name="TextBox 3"/>
           <p:cNvSpPr txBox="1"/>
           <p:nvPr/>
         </p:nvSpPr>
         <p:spPr>
           <a:xfrm>
             <a:off x="0" y="5061182"/>
-            <a:ext cx="12192000" cy="830997"/>
+            <a:ext cx="12192000" cy="707886"/>
           </a:xfrm>
           <a:prstGeom prst="rect">
             <a:avLst/>
@@ -5813,7 +5717,7 @@
           <a:p>
             <a:pPr algn="ctr"/>
             <a:r>
-              <a:rPr lang="en-US" sz="4800" b="1" dirty="0">
+              <a:rPr lang="en-US" sz="4000" b="1" dirty="0">
                 <a:solidFill>
                   <a:srgbClr val="000066"/>
                 </a:solidFill>
@@ -5821,22 +5725,22 @@
               <a:t>( </a:t>
             </a:r>
             <a:r>
-              <a:rPr lang="en-US" sz="4800" b="1" dirty="0" smtClean="0">
+              <a:rPr lang="en-US" sz="4000" b="1" dirty="0" smtClean="0">
                 <a:solidFill>
                   <a:srgbClr val="000066"/>
                 </a:solidFill>
               </a:rPr>
-              <a:t>2 </a:t>
-            </a:r>
-            <a:r>
-              <a:rPr lang="en-US" sz="4800" b="1" dirty="0">
+              <a:t>2 / 3 </a:t>
+            </a:r>
+            <a:r>
+              <a:rPr lang="en-US" sz="4000" b="1" dirty="0">
                 <a:solidFill>
                   <a:srgbClr val="000066"/>
                 </a:solidFill>
               </a:rPr>
               <a:t>)</a:t>
             </a:r>
-            <a:endParaRPr lang="vi-VN" sz="4800" b="1" dirty="0">
+            <a:endParaRPr lang="vi-VN" sz="4000" b="1" dirty="0">
               <a:solidFill>
                 <a:srgbClr val="000066"/>
               </a:solidFill>
